--- a/report/cmdb.pptx
+++ b/report/cmdb.pptx
@@ -5,7 +5,7 @@
     <p:sldMasterId id="2147483660" r:id="rId1"/>
   </p:sldMasterIdLst>
   <p:notesMasterIdLst>
-    <p:notesMasterId r:id="rId20"/>
+    <p:notesMasterId r:id="rId19"/>
   </p:notesMasterIdLst>
   <p:sldIdLst>
     <p:sldId id="256" r:id="rId2"/>
@@ -14,18 +14,17 @@
     <p:sldId id="259" r:id="rId5"/>
     <p:sldId id="260" r:id="rId6"/>
     <p:sldId id="261" r:id="rId7"/>
-    <p:sldId id="265" r:id="rId8"/>
-    <p:sldId id="262" r:id="rId9"/>
-    <p:sldId id="263" r:id="rId10"/>
-    <p:sldId id="264" r:id="rId11"/>
-    <p:sldId id="266" r:id="rId12"/>
-    <p:sldId id="267" r:id="rId13"/>
-    <p:sldId id="268" r:id="rId14"/>
-    <p:sldId id="273" r:id="rId15"/>
-    <p:sldId id="269" r:id="rId16"/>
-    <p:sldId id="270" r:id="rId17"/>
-    <p:sldId id="271" r:id="rId18"/>
-    <p:sldId id="272" r:id="rId19"/>
+    <p:sldId id="262" r:id="rId8"/>
+    <p:sldId id="274" r:id="rId9"/>
+    <p:sldId id="275" r:id="rId10"/>
+    <p:sldId id="276" r:id="rId11"/>
+    <p:sldId id="263" r:id="rId12"/>
+    <p:sldId id="268" r:id="rId13"/>
+    <p:sldId id="273" r:id="rId14"/>
+    <p:sldId id="269" r:id="rId15"/>
+    <p:sldId id="270" r:id="rId16"/>
+    <p:sldId id="271" r:id="rId17"/>
+    <p:sldId id="272" r:id="rId18"/>
   </p:sldIdLst>
   <p:sldSz cx="12192000" cy="6858000"/>
   <p:notesSz cx="6858000" cy="9144000"/>
@@ -214,7 +213,7 @@
           <a:p>
             <a:fld id="{2099E8B9-E39C-4694-B200-B11050347EF9}" type="datetimeFigureOut">
               <a:rPr lang="en-US" smtClean="0"/>
-              <a:t>11/17/2015</a:t>
+              <a:t>11/19/2015</a:t>
             </a:fld>
             <a:endParaRPr lang="en-US"/>
           </a:p>
@@ -557,6 +556,90 @@
     <p:extLst>
       <p:ext uri="{BB962C8B-B14F-4D97-AF65-F5344CB8AC3E}">
         <p14:creationId xmlns:p14="http://schemas.microsoft.com/office/powerpoint/2010/main" val="426232527"/>
+      </p:ext>
+    </p:extLst>
+  </p:cSld>
+  <p:clrMapOvr>
+    <a:masterClrMapping/>
+  </p:clrMapOvr>
+</p:notes>
+</file>
+
+<file path=ppt/notesSlides/notesSlide2.xml><?xml version="1.0" encoding="utf-8"?>
+<p:notes xmlns:a="http://schemas.openxmlformats.org/drawingml/2006/main" xmlns:r="http://schemas.openxmlformats.org/officeDocument/2006/relationships" xmlns:p="http://schemas.openxmlformats.org/presentationml/2006/main">
+  <p:cSld>
+    <p:spTree>
+      <p:nvGrpSpPr>
+        <p:cNvPr id="1" name=""/>
+        <p:cNvGrpSpPr/>
+        <p:nvPr/>
+      </p:nvGrpSpPr>
+      <p:grpSpPr>
+        <a:xfrm>
+          <a:off x="0" y="0"/>
+          <a:ext cx="0" cy="0"/>
+          <a:chOff x="0" y="0"/>
+          <a:chExt cx="0" cy="0"/>
+        </a:xfrm>
+      </p:grpSpPr>
+      <p:sp>
+        <p:nvSpPr>
+          <p:cNvPr id="2" name="Slide Image Placeholder 1"/>
+          <p:cNvSpPr>
+            <a:spLocks noGrp="1" noRot="1" noChangeAspect="1"/>
+          </p:cNvSpPr>
+          <p:nvPr>
+            <p:ph type="sldImg"/>
+          </p:nvPr>
+        </p:nvSpPr>
+        <p:spPr/>
+      </p:sp>
+      <p:sp>
+        <p:nvSpPr>
+          <p:cNvPr id="3" name="Notes Placeholder 2"/>
+          <p:cNvSpPr>
+            <a:spLocks noGrp="1"/>
+          </p:cNvSpPr>
+          <p:nvPr>
+            <p:ph type="body" idx="1"/>
+          </p:nvPr>
+        </p:nvSpPr>
+        <p:spPr/>
+        <p:txBody>
+          <a:bodyPr/>
+          <a:lstStyle/>
+          <a:p>
+            <a:endParaRPr lang="en-US"/>
+          </a:p>
+        </p:txBody>
+      </p:sp>
+      <p:sp>
+        <p:nvSpPr>
+          <p:cNvPr id="4" name="Slide Number Placeholder 3"/>
+          <p:cNvSpPr>
+            <a:spLocks noGrp="1"/>
+          </p:cNvSpPr>
+          <p:nvPr>
+            <p:ph type="sldNum" sz="quarter" idx="10"/>
+          </p:nvPr>
+        </p:nvSpPr>
+        <p:spPr/>
+        <p:txBody>
+          <a:bodyPr/>
+          <a:lstStyle/>
+          <a:p>
+            <a:fld id="{E0BEF495-6E9E-438F-B2CF-257C550A2A17}" type="slidenum">
+              <a:rPr lang="en-US" smtClean="0"/>
+              <a:t>2</a:t>
+            </a:fld>
+            <a:endParaRPr lang="en-US"/>
+          </a:p>
+        </p:txBody>
+      </p:sp>
+    </p:spTree>
+    <p:extLst>
+      <p:ext uri="{BB962C8B-B14F-4D97-AF65-F5344CB8AC3E}">
+        <p14:creationId xmlns:p14="http://schemas.microsoft.com/office/powerpoint/2010/main" val="1347540184"/>
       </p:ext>
     </p:extLst>
   </p:cSld>
@@ -1066,9 +1149,9 @@
           <a:bodyPr/>
           <a:lstStyle/>
           <a:p>
-            <a:fld id="{42E31CA4-A3C9-43E2-B1D6-A3897DE499B9}" type="datetimeFigureOut">
-              <a:rPr lang="en-US" smtClean="0"/>
-              <a:t>11/17/2015</a:t>
+            <a:fld id="{8431330B-4EA1-41C5-9F32-328AB0FAF3FA}" type="datetime1">
+              <a:rPr lang="en-US" smtClean="0"/>
+              <a:t>11/19/2015</a:t>
             </a:fld>
             <a:endParaRPr lang="en-US"/>
           </a:p>
@@ -1111,12 +1194,21 @@
         <p:spPr/>
         <p:txBody>
           <a:bodyPr/>
-          <a:lstStyle/>
+          <a:lstStyle>
+            <a:lvl1pPr>
+              <a:defRPr sz="1200"/>
+            </a:lvl1pPr>
+          </a:lstStyle>
           <a:p>
             <a:fld id="{57DC53DE-AFDD-4F57-970B-41BDA98A7F7B}" type="slidenum">
               <a:rPr lang="en-US" smtClean="0"/>
+              <a:pPr/>
               <a:t>‹#›</a:t>
             </a:fld>
+            <a:r>
+              <a:rPr lang="en-US" dirty="0" smtClean="0"/>
+              <a:t>/17</a:t>
+            </a:r>
             <a:endParaRPr lang="en-US" dirty="0"/>
           </a:p>
         </p:txBody>
@@ -1362,9 +1454,9 @@
           <a:bodyPr/>
           <a:lstStyle/>
           <a:p>
-            <a:fld id="{42E31CA4-A3C9-43E2-B1D6-A3897DE499B9}" type="datetimeFigureOut">
-              <a:rPr lang="en-US" smtClean="0"/>
-              <a:t>11/17/2015</a:t>
+            <a:fld id="{E273B6E4-D9A0-4721-B550-AEB48D4AD684}" type="datetime1">
+              <a:rPr lang="en-US" smtClean="0"/>
+              <a:t>11/19/2015</a:t>
             </a:fld>
             <a:endParaRPr lang="en-US"/>
           </a:p>
@@ -1610,9 +1702,9 @@
           <a:bodyPr/>
           <a:lstStyle/>
           <a:p>
-            <a:fld id="{42E31CA4-A3C9-43E2-B1D6-A3897DE499B9}" type="datetimeFigureOut">
-              <a:rPr lang="en-US" smtClean="0"/>
-              <a:t>11/17/2015</a:t>
+            <a:fld id="{6088B1E9-1021-4A9E-BD3B-AF0E280B786F}" type="datetime1">
+              <a:rPr lang="en-US" smtClean="0"/>
+              <a:t>11/19/2015</a:t>
             </a:fld>
             <a:endParaRPr lang="en-US"/>
           </a:p>
@@ -2150,9 +2242,9 @@
           <a:bodyPr/>
           <a:lstStyle/>
           <a:p>
-            <a:fld id="{42E31CA4-A3C9-43E2-B1D6-A3897DE499B9}" type="datetimeFigureOut">
-              <a:rPr lang="en-US" smtClean="0"/>
-              <a:t>11/17/2015</a:t>
+            <a:fld id="{3A707B3E-3C0F-4303-A771-96BBD8D208FB}" type="datetime1">
+              <a:rPr lang="en-US" smtClean="0"/>
+              <a:t>11/19/2015</a:t>
             </a:fld>
             <a:endParaRPr lang="en-US"/>
           </a:p>
@@ -2398,9 +2490,9 @@
           <a:bodyPr/>
           <a:lstStyle/>
           <a:p>
-            <a:fld id="{42E31CA4-A3C9-43E2-B1D6-A3897DE499B9}" type="datetimeFigureOut">
-              <a:rPr lang="en-US" smtClean="0"/>
-              <a:t>11/17/2015</a:t>
+            <a:fld id="{FAE9A63D-34D5-4D52-A0E8-22C17FDF09E5}" type="datetime1">
+              <a:rPr lang="en-US" smtClean="0"/>
+              <a:t>11/19/2015</a:t>
             </a:fld>
             <a:endParaRPr lang="en-US"/>
           </a:p>
@@ -2930,9 +3022,9 @@
           <a:bodyPr/>
           <a:lstStyle/>
           <a:p>
-            <a:fld id="{42E31CA4-A3C9-43E2-B1D6-A3897DE499B9}" type="datetimeFigureOut">
-              <a:rPr lang="en-US" smtClean="0"/>
-              <a:t>11/17/2015</a:t>
+            <a:fld id="{E2080857-5737-41EF-8BAA-BFCAF5BC63D7}" type="datetime1">
+              <a:rPr lang="en-US" smtClean="0"/>
+              <a:t>11/19/2015</a:t>
             </a:fld>
             <a:endParaRPr lang="en-US"/>
           </a:p>
@@ -3227,9 +3319,9 @@
           <a:bodyPr/>
           <a:lstStyle/>
           <a:p>
-            <a:fld id="{42E31CA4-A3C9-43E2-B1D6-A3897DE499B9}" type="datetimeFigureOut">
-              <a:rPr lang="en-US" smtClean="0"/>
-              <a:t>11/17/2015</a:t>
+            <a:fld id="{B0D581B6-6081-40FE-B57D-614943BA9925}" type="datetime1">
+              <a:rPr lang="en-US" smtClean="0"/>
+              <a:t>11/19/2015</a:t>
             </a:fld>
             <a:endParaRPr lang="en-US"/>
           </a:p>
@@ -3401,9 +3493,9 @@
           <a:bodyPr/>
           <a:lstStyle/>
           <a:p>
-            <a:fld id="{42E31CA4-A3C9-43E2-B1D6-A3897DE499B9}" type="datetimeFigureOut">
-              <a:rPr lang="en-US" smtClean="0"/>
-              <a:t>11/17/2015</a:t>
+            <a:fld id="{6FA1CF5A-83E1-40AB-AA7E-C0E1F5A263A9}" type="datetime1">
+              <a:rPr lang="en-US" smtClean="0"/>
+              <a:t>11/19/2015</a:t>
             </a:fld>
             <a:endParaRPr lang="en-US"/>
           </a:p>
@@ -3581,9 +3673,9 @@
           <a:bodyPr/>
           <a:lstStyle/>
           <a:p>
-            <a:fld id="{42E31CA4-A3C9-43E2-B1D6-A3897DE499B9}" type="datetimeFigureOut">
-              <a:rPr lang="en-US" smtClean="0"/>
-              <a:t>11/17/2015</a:t>
+            <a:fld id="{DDC79222-88C4-42EB-AD16-CEADE4BDAC75}" type="datetime1">
+              <a:rPr lang="en-US" smtClean="0"/>
+              <a:t>11/19/2015</a:t>
             </a:fld>
             <a:endParaRPr lang="en-US"/>
           </a:p>
@@ -3751,9 +3843,9 @@
           <a:bodyPr/>
           <a:lstStyle/>
           <a:p>
-            <a:fld id="{42E31CA4-A3C9-43E2-B1D6-A3897DE499B9}" type="datetimeFigureOut">
-              <a:rPr lang="en-US" smtClean="0"/>
-              <a:t>11/17/2015</a:t>
+            <a:fld id="{99024575-90D1-421F-93D2-44773D066F02}" type="datetime1">
+              <a:rPr lang="en-US" smtClean="0"/>
+              <a:t>11/19/2015</a:t>
             </a:fld>
             <a:endParaRPr lang="en-US"/>
           </a:p>
@@ -3800,9 +3892,14 @@
           <a:p>
             <a:fld id="{57DC53DE-AFDD-4F57-970B-41BDA98A7F7B}" type="slidenum">
               <a:rPr lang="en-US" smtClean="0"/>
+              <a:pPr/>
               <a:t>‹#›</a:t>
             </a:fld>
-            <a:endParaRPr lang="en-US"/>
+            <a:r>
+              <a:rPr lang="en-US" dirty="0" smtClean="0"/>
+              <a:t>/17</a:t>
+            </a:r>
+            <a:endParaRPr lang="en-US" dirty="0"/>
           </a:p>
         </p:txBody>
       </p:sp>
@@ -4002,9 +4099,9 @@
           <a:bodyPr/>
           <a:lstStyle/>
           <a:p>
-            <a:fld id="{42E31CA4-A3C9-43E2-B1D6-A3897DE499B9}" type="datetimeFigureOut">
-              <a:rPr lang="en-US" smtClean="0"/>
-              <a:t>11/17/2015</a:t>
+            <a:fld id="{C1C78C0B-588F-4F3B-983E-491A3D822133}" type="datetime1">
+              <a:rPr lang="en-US" smtClean="0"/>
+              <a:t>11/19/2015</a:t>
             </a:fld>
             <a:endParaRPr lang="en-US"/>
           </a:p>
@@ -4046,9 +4143,14 @@
           <a:p>
             <a:fld id="{57DC53DE-AFDD-4F57-970B-41BDA98A7F7B}" type="slidenum">
               <a:rPr lang="en-US" smtClean="0"/>
+              <a:pPr/>
               <a:t>‹#›</a:t>
             </a:fld>
-            <a:endParaRPr lang="en-US"/>
+            <a:r>
+              <a:rPr lang="en-US" dirty="0" smtClean="0"/>
+              <a:t>/17</a:t>
+            </a:r>
+            <a:endParaRPr lang="en-US" dirty="0"/>
           </a:p>
         </p:txBody>
       </p:sp>
@@ -4299,9 +4401,9 @@
           <a:bodyPr/>
           <a:lstStyle/>
           <a:p>
-            <a:fld id="{42E31CA4-A3C9-43E2-B1D6-A3897DE499B9}" type="datetimeFigureOut">
-              <a:rPr lang="en-US" smtClean="0"/>
-              <a:t>11/17/2015</a:t>
+            <a:fld id="{25EBAA7F-39D7-4124-A733-620FC0BD6E0B}" type="datetime1">
+              <a:rPr lang="en-US" smtClean="0"/>
+              <a:t>11/19/2015</a:t>
             </a:fld>
             <a:endParaRPr lang="en-US"/>
           </a:p>
@@ -4343,9 +4445,14 @@
           <a:p>
             <a:fld id="{57DC53DE-AFDD-4F57-970B-41BDA98A7F7B}" type="slidenum">
               <a:rPr lang="en-US" smtClean="0"/>
+              <a:pPr/>
               <a:t>‹#›</a:t>
             </a:fld>
-            <a:endParaRPr lang="en-US"/>
+            <a:r>
+              <a:rPr lang="en-US" dirty="0" smtClean="0"/>
+              <a:t>/17</a:t>
+            </a:r>
+            <a:endParaRPr lang="en-US" dirty="0"/>
           </a:p>
         </p:txBody>
       </p:sp>
@@ -4741,9 +4848,9 @@
           <a:bodyPr/>
           <a:lstStyle/>
           <a:p>
-            <a:fld id="{42E31CA4-A3C9-43E2-B1D6-A3897DE499B9}" type="datetimeFigureOut">
-              <a:rPr lang="en-US" smtClean="0"/>
-              <a:t>11/17/2015</a:t>
+            <a:fld id="{88352217-1139-4944-B95F-426476D1C6E8}" type="datetime1">
+              <a:rPr lang="en-US" smtClean="0"/>
+              <a:t>11/19/2015</a:t>
             </a:fld>
             <a:endParaRPr lang="en-US"/>
           </a:p>
@@ -4859,9 +4966,9 @@
           <a:bodyPr/>
           <a:lstStyle/>
           <a:p>
-            <a:fld id="{42E31CA4-A3C9-43E2-B1D6-A3897DE499B9}" type="datetimeFigureOut">
-              <a:rPr lang="en-US" smtClean="0"/>
-              <a:t>11/17/2015</a:t>
+            <a:fld id="{266106CE-E01F-445D-952A-57F7EA204F4E}" type="datetime1">
+              <a:rPr lang="en-US" smtClean="0"/>
+              <a:t>11/19/2015</a:t>
             </a:fld>
             <a:endParaRPr lang="en-US"/>
           </a:p>
@@ -4954,9 +5061,9 @@
           <a:bodyPr/>
           <a:lstStyle/>
           <a:p>
-            <a:fld id="{42E31CA4-A3C9-43E2-B1D6-A3897DE499B9}" type="datetimeFigureOut">
-              <a:rPr lang="en-US" smtClean="0"/>
-              <a:t>11/17/2015</a:t>
+            <a:fld id="{C9D9DB44-FC42-4B97-9FBD-D13D176221E8}" type="datetime1">
+              <a:rPr lang="en-US" smtClean="0"/>
+              <a:t>11/19/2015</a:t>
             </a:fld>
             <a:endParaRPr lang="en-US"/>
           </a:p>
@@ -5237,9 +5344,9 @@
           <a:bodyPr/>
           <a:lstStyle/>
           <a:p>
-            <a:fld id="{42E31CA4-A3C9-43E2-B1D6-A3897DE499B9}" type="datetimeFigureOut">
-              <a:rPr lang="en-US" smtClean="0"/>
-              <a:t>11/17/2015</a:t>
+            <a:fld id="{071CD097-9FFF-4349-8F52-9AE2EB5A3236}" type="datetime1">
+              <a:rPr lang="en-US" smtClean="0"/>
+              <a:t>11/19/2015</a:t>
             </a:fld>
             <a:endParaRPr lang="en-US"/>
           </a:p>
@@ -5528,9 +5635,9 @@
           <a:bodyPr/>
           <a:lstStyle/>
           <a:p>
-            <a:fld id="{42E31CA4-A3C9-43E2-B1D6-A3897DE499B9}" type="datetimeFigureOut">
-              <a:rPr lang="en-US" smtClean="0"/>
-              <a:t>11/17/2015</a:t>
+            <a:fld id="{00009D04-3F89-47FD-A535-9873E0033CE9}" type="datetime1">
+              <a:rPr lang="en-US" smtClean="0"/>
+              <a:t>11/19/2015</a:t>
             </a:fld>
             <a:endParaRPr lang="en-US"/>
           </a:p>
@@ -6058,9 +6165,9 @@
             </a:lvl1pPr>
           </a:lstStyle>
           <a:p>
-            <a:fld id="{42E31CA4-A3C9-43E2-B1D6-A3897DE499B9}" type="datetimeFigureOut">
-              <a:rPr lang="en-US" smtClean="0"/>
-              <a:t>11/17/2015</a:t>
+            <a:fld id="{D485F110-CDA0-4050-877A-2727C25B5F78}" type="datetime1">
+              <a:rPr lang="en-US" smtClean="0"/>
+              <a:t>11/19/2015</a:t>
             </a:fld>
             <a:endParaRPr lang="en-US"/>
           </a:p>
@@ -6126,7 +6233,7 @@
           <a:bodyPr vert="horz" lIns="91440" tIns="45720" rIns="91440" bIns="45720" rtlCol="0" anchor="ctr"/>
           <a:lstStyle>
             <a:lvl1pPr algn="r">
-              <a:defRPr sz="1000" b="0" i="0">
+              <a:defRPr sz="1200" b="0" i="0">
                 <a:solidFill>
                   <a:schemeClr val="tx1"/>
                 </a:solidFill>
@@ -6138,9 +6245,14 @@
           <a:p>
             <a:fld id="{57DC53DE-AFDD-4F57-970B-41BDA98A7F7B}" type="slidenum">
               <a:rPr lang="en-US" smtClean="0"/>
+              <a:pPr/>
               <a:t>‹#›</a:t>
             </a:fld>
-            <a:endParaRPr lang="en-US"/>
+            <a:r>
+              <a:rPr lang="en-US" dirty="0" smtClean="0"/>
+              <a:t>/17</a:t>
+            </a:r>
+            <a:endParaRPr lang="en-US" dirty="0"/>
           </a:p>
         </p:txBody>
       </p:sp>
@@ -6171,6 +6283,7 @@
     <p:sldLayoutId id="2147483676" r:id="rId16"/>
     <p:sldLayoutId id="2147483677" r:id="rId17"/>
   </p:sldLayoutIdLst>
+  <p:hf hdr="0" ftr="0" dt="0"/>
   <p:txStyles>
     <p:titleStyle>
       <a:lvl1pPr algn="ctr" defTabSz="457200" rtl="0" eaLnBrk="1" latinLnBrk="0" hangingPunct="1">
@@ -6824,6 +6937,29 @@
           </a:p>
         </p:txBody>
       </p:sp>
+      <p:sp>
+        <p:nvSpPr>
+          <p:cNvPr id="8" name="Slide Number Placeholder 7"/>
+          <p:cNvSpPr>
+            <a:spLocks noGrp="1"/>
+          </p:cNvSpPr>
+          <p:nvPr>
+            <p:ph type="sldNum" sz="quarter" idx="12"/>
+          </p:nvPr>
+        </p:nvSpPr>
+        <p:spPr/>
+        <p:txBody>
+          <a:bodyPr/>
+          <a:lstStyle/>
+          <a:p>
+            <a:fld id="{57DC53DE-AFDD-4F57-970B-41BDA98A7F7B}" type="slidenum">
+              <a:rPr lang="en-US" smtClean="0"/>
+              <a:t>1</a:t>
+            </a:fld>
+            <a:endParaRPr lang="en-US" dirty="0"/>
+          </a:p>
+        </p:txBody>
+      </p:sp>
     </p:spTree>
     <p:extLst>
       <p:ext uri="{BB962C8B-B14F-4D97-AF65-F5344CB8AC3E}">
@@ -6877,16 +7013,139 @@
           <a:lstStyle/>
           <a:p>
             <a:r>
+              <a:rPr lang="en-US" dirty="0"/>
+              <a:t>3A. </a:t>
+            </a:r>
+            <a:r>
+              <a:rPr lang="en-US" dirty="0" err="1"/>
+              <a:t>Deroulement</a:t>
+            </a:r>
+            <a:r>
+              <a:rPr lang="en-US" dirty="0"/>
+              <a:t> – </a:t>
+            </a:r>
+            <a:r>
               <a:rPr lang="en-US" dirty="0" smtClean="0"/>
-              <a:t>3A. </a:t>
-            </a:r>
-            <a:r>
-              <a:rPr lang="en-US" dirty="0" err="1" smtClean="0"/>
-              <a:t>Deroulement</a:t>
+              <a:t>Data centers</a:t>
+            </a:r>
+            <a:endParaRPr lang="en-US" dirty="0"/>
+          </a:p>
+        </p:txBody>
+      </p:sp>
+      <p:pic>
+        <p:nvPicPr>
+          <p:cNvPr id="5" name="Content Placeholder 4"/>
+          <p:cNvPicPr>
+            <a:picLocks noGrp="1" noChangeAspect="1"/>
+          </p:cNvPicPr>
+          <p:nvPr>
+            <p:ph sz="half" idx="1"/>
+          </p:nvPr>
+        </p:nvPicPr>
+        <p:blipFill>
+          <a:blip r:embed="rId2">
+            <a:extLst>
+              <a:ext uri="{28A0092B-C50C-407E-A947-70E740481C1C}">
+                <a14:useLocalDpi xmlns:a14="http://schemas.microsoft.com/office/drawing/2010/main" val="0"/>
+              </a:ext>
+            </a:extLst>
+          </a:blip>
+          <a:stretch>
+            <a:fillRect/>
+          </a:stretch>
+        </p:blipFill>
+        <p:spPr>
+          <a:xfrm>
+            <a:off x="2064348" y="3005173"/>
+            <a:ext cx="3641508" cy="2447854"/>
+          </a:xfrm>
+        </p:spPr>
+      </p:pic>
+      <p:sp>
+        <p:nvSpPr>
+          <p:cNvPr id="4" name="Content Placeholder 3"/>
+          <p:cNvSpPr>
+            <a:spLocks noGrp="1"/>
+          </p:cNvSpPr>
+          <p:nvPr>
+            <p:ph sz="half" idx="2"/>
+          </p:nvPr>
+        </p:nvSpPr>
+        <p:spPr/>
+        <p:txBody>
+          <a:bodyPr/>
+          <a:lstStyle/>
+          <a:p>
+            <a:r>
+              <a:rPr lang="en-US" dirty="0" err="1"/>
+              <a:t>Liste</a:t>
+            </a:r>
+            <a:r>
+              <a:rPr lang="en-US" dirty="0"/>
+              <a:t> les plans des data centers de </a:t>
+            </a:r>
+            <a:r>
+              <a:rPr lang="en-US" dirty="0" err="1"/>
+              <a:t>l’entreprise</a:t>
+            </a:r>
+            <a:endParaRPr lang="en-US" dirty="0"/>
+          </a:p>
+          <a:p>
+            <a:r>
+              <a:rPr lang="en-US" dirty="0" err="1"/>
+              <a:t>Ajout</a:t>
+            </a:r>
+            <a:r>
+              <a:rPr lang="en-US" dirty="0"/>
+              <a:t>/suppression de cabinets</a:t>
+            </a:r>
+          </a:p>
+          <a:p>
+            <a:r>
+              <a:rPr lang="en-US" dirty="0" err="1"/>
+              <a:t>Vues</a:t>
+            </a:r>
+            <a:r>
+              <a:rPr lang="en-US" dirty="0"/>
+              <a:t> </a:t>
+            </a:r>
+            <a:r>
+              <a:rPr lang="en-US" dirty="0" err="1"/>
+              <a:t>rapprochees</a:t>
+            </a:r>
+            <a:r>
+              <a:rPr lang="en-US" dirty="0"/>
+              <a:t> pour </a:t>
+            </a:r>
+            <a:r>
+              <a:rPr lang="en-US" dirty="0" err="1"/>
+              <a:t>chaque</a:t>
+            </a:r>
+            <a:r>
+              <a:rPr lang="en-US" dirty="0"/>
+              <a:t> cabinet</a:t>
+            </a:r>
+          </a:p>
+          <a:p>
+            <a:r>
+              <a:rPr lang="en-US" dirty="0" err="1"/>
+              <a:t>Ajout</a:t>
+            </a:r>
+            <a:r>
+              <a:rPr lang="en-US" dirty="0"/>
+              <a:t>/suppression de </a:t>
+            </a:r>
+            <a:r>
+              <a:rPr lang="en-US" dirty="0" err="1"/>
+              <a:t>serveurs</a:t>
+            </a:r>
+            <a:r>
+              <a:rPr lang="en-US" dirty="0"/>
+              <a:t> (items de configuration) sur les </a:t>
             </a:r>
             <a:r>
               <a:rPr lang="en-US" dirty="0" smtClean="0"/>
-              <a:t> – Items de configuration</a:t>
+              <a:t>cabinets</a:t>
             </a:r>
             <a:endParaRPr lang="en-US" dirty="0"/>
           </a:p>
@@ -6894,12 +7153,12 @@
       </p:sp>
       <p:sp>
         <p:nvSpPr>
-          <p:cNvPr id="3" name="Content Placeholder 2"/>
-          <p:cNvSpPr>
-            <a:spLocks noGrp="1"/>
-          </p:cNvSpPr>
-          <p:nvPr>
-            <p:ph idx="1"/>
+          <p:cNvPr id="6" name="Slide Number Placeholder 5"/>
+          <p:cNvSpPr>
+            <a:spLocks noGrp="1"/>
+          </p:cNvSpPr>
+          <p:nvPr>
+            <p:ph type="sldNum" sz="quarter" idx="12"/>
           </p:nvPr>
         </p:nvSpPr>
         <p:spPr/>
@@ -6907,98 +7166,24 @@
           <a:bodyPr/>
           <a:lstStyle/>
           <a:p>
-            <a:r>
-              <a:rPr lang="en-US" dirty="0" err="1" smtClean="0"/>
-              <a:t>Liste</a:t>
-            </a:r>
-            <a:r>
-              <a:rPr lang="en-US" dirty="0" smtClean="0"/>
-              <a:t> les elements de configuration presents </a:t>
-            </a:r>
-            <a:r>
-              <a:rPr lang="en-US" dirty="0" err="1" smtClean="0"/>
-              <a:t>dans</a:t>
-            </a:r>
-            <a:r>
-              <a:rPr lang="en-US" dirty="0" smtClean="0"/>
-              <a:t> </a:t>
-            </a:r>
-            <a:r>
-              <a:rPr lang="en-US" dirty="0" err="1" smtClean="0"/>
-              <a:t>l’entreprise</a:t>
-            </a:r>
-            <a:endParaRPr lang="en-US" dirty="0" smtClean="0"/>
-          </a:p>
-          <a:p>
-            <a:r>
-              <a:rPr lang="en-US" dirty="0" smtClean="0"/>
-              <a:t>Classes pour organizer les elements</a:t>
-            </a:r>
-          </a:p>
-          <a:p>
-            <a:r>
-              <a:rPr lang="en-US" dirty="0" err="1" smtClean="0"/>
-              <a:t>Ajout</a:t>
-            </a:r>
-            <a:r>
-              <a:rPr lang="en-US" dirty="0" smtClean="0"/>
-              <a:t>/suppression de </a:t>
-            </a:r>
-            <a:r>
-              <a:rPr lang="en-US" dirty="0" err="1" smtClean="0"/>
-              <a:t>proprietes</a:t>
-            </a:r>
-            <a:r>
-              <a:rPr lang="en-US" dirty="0" smtClean="0"/>
-              <a:t> et </a:t>
-            </a:r>
-            <a:r>
-              <a:rPr lang="en-US" dirty="0" err="1" smtClean="0"/>
-              <a:t>valeurs</a:t>
-            </a:r>
-            <a:r>
-              <a:rPr lang="en-US" dirty="0" smtClean="0"/>
-              <a:t> pour </a:t>
-            </a:r>
-            <a:r>
-              <a:rPr lang="en-US" dirty="0" err="1" smtClean="0"/>
-              <a:t>chaque</a:t>
-            </a:r>
-            <a:r>
-              <a:rPr lang="en-US" dirty="0" smtClean="0"/>
-              <a:t> element</a:t>
-            </a:r>
-          </a:p>
-          <a:p>
-            <a:r>
-              <a:rPr lang="en-US" dirty="0" smtClean="0"/>
-              <a:t>Panel de base de </a:t>
-            </a:r>
-            <a:r>
-              <a:rPr lang="en-US" dirty="0" err="1" smtClean="0"/>
-              <a:t>l’application</a:t>
-            </a:r>
-            <a:endParaRPr lang="en-US" dirty="0" smtClean="0"/>
+            <a:fld id="{57DC53DE-AFDD-4F57-970B-41BDA98A7F7B}" type="slidenum">
+              <a:rPr lang="en-US" smtClean="0"/>
+              <a:t>10</a:t>
+            </a:fld>
+            <a:endParaRPr lang="en-US"/>
           </a:p>
         </p:txBody>
       </p:sp>
     </p:spTree>
     <p:extLst>
       <p:ext uri="{BB962C8B-B14F-4D97-AF65-F5344CB8AC3E}">
-        <p14:creationId xmlns:p14="http://schemas.microsoft.com/office/powerpoint/2010/main" val="2896903511"/>
+        <p14:creationId xmlns:p14="http://schemas.microsoft.com/office/powerpoint/2010/main" val="754613651"/>
       </p:ext>
     </p:extLst>
   </p:cSld>
   <p:clrMapOvr>
     <a:masterClrMapping/>
   </p:clrMapOvr>
-  <p:timing>
-    <p:tnLst>
-      <p:par>
-        <p:cTn id="1" dur="indefinite" restart="never" nodeType="tmRoot"/>
-      </p:par>
-    </p:tnLst>
-  </p:timing>
 </p:sld>
 </file>
 
@@ -7035,8 +7220,8 @@
           <a:lstStyle/>
           <a:p>
             <a:r>
-              <a:rPr lang="en-US" dirty="0" smtClean="0"/>
-              <a:t>3B. </a:t>
+              <a:rPr lang="en-US" dirty="0"/>
+              <a:t>3. </a:t>
             </a:r>
             <a:r>
               <a:rPr lang="en-US" dirty="0" err="1"/>
@@ -7044,66 +7229,38 @@
             </a:r>
             <a:r>
               <a:rPr lang="en-US" dirty="0"/>
-              <a:t> – </a:t>
-            </a:r>
+              <a:t> du </a:t>
+            </a:r>
+            <a:r>
+              <a:rPr lang="en-US" dirty="0" err="1"/>
+              <a:t>projet</a:t>
+            </a:r>
+            <a:endParaRPr lang="en-US" dirty="0"/>
+          </a:p>
+        </p:txBody>
+      </p:sp>
+      <p:sp>
+        <p:nvSpPr>
+          <p:cNvPr id="3" name="Content Placeholder 2"/>
+          <p:cNvSpPr>
+            <a:spLocks noGrp="1"/>
+          </p:cNvSpPr>
+          <p:nvPr>
+            <p:ph idx="1"/>
+          </p:nvPr>
+        </p:nvSpPr>
+        <p:spPr/>
+        <p:txBody>
+          <a:bodyPr/>
+          <a:lstStyle/>
+          <a:p>
             <a:r>
               <a:rPr lang="en-US" dirty="0" smtClean="0"/>
-              <a:t>Applications</a:t>
-            </a:r>
-            <a:endParaRPr lang="en-US" dirty="0"/>
-          </a:p>
-        </p:txBody>
-      </p:sp>
-      <p:sp>
-        <p:nvSpPr>
-          <p:cNvPr id="3" name="Content Placeholder 2"/>
-          <p:cNvSpPr>
-            <a:spLocks noGrp="1"/>
-          </p:cNvSpPr>
-          <p:nvPr>
-            <p:ph idx="1"/>
-          </p:nvPr>
-        </p:nvSpPr>
-        <p:spPr/>
-        <p:txBody>
-          <a:bodyPr/>
-          <a:lstStyle/>
-          <a:p>
+              <a:t>Connection a la base de </a:t>
+            </a:r>
             <a:r>
               <a:rPr lang="en-US" dirty="0" err="1" smtClean="0"/>
-              <a:t>Liste</a:t>
-            </a:r>
-            <a:r>
-              <a:rPr lang="en-US" dirty="0" smtClean="0"/>
-              <a:t> les </a:t>
-            </a:r>
-            <a:r>
-              <a:rPr lang="en-US" dirty="0" err="1" smtClean="0"/>
-              <a:t>differentes</a:t>
-            </a:r>
-            <a:r>
-              <a:rPr lang="en-US" dirty="0" smtClean="0"/>
-              <a:t> applications </a:t>
-            </a:r>
-            <a:r>
-              <a:rPr lang="en-US" dirty="0" err="1" smtClean="0"/>
-              <a:t>utilisees</a:t>
-            </a:r>
-            <a:r>
-              <a:rPr lang="en-US" dirty="0" smtClean="0"/>
-              <a:t> par </a:t>
-            </a:r>
-            <a:r>
-              <a:rPr lang="en-US" dirty="0" err="1" smtClean="0"/>
-              <a:t>l’entreprise</a:t>
-            </a:r>
-            <a:endParaRPr lang="en-US" dirty="0" smtClean="0"/>
-          </a:p>
-          <a:p>
-            <a:pPr lvl="1"/>
-            <a:r>
-              <a:rPr lang="en-US" dirty="0" err="1" smtClean="0"/>
-              <a:t>Organisation</a:t>
+              <a:t>donnees</a:t>
             </a:r>
             <a:r>
               <a:rPr lang="en-US" dirty="0" smtClean="0"/>
@@ -7111,90 +7268,104 @@
             </a:r>
             <a:r>
               <a:rPr lang="en-US" dirty="0" err="1" smtClean="0"/>
-              <a:t>hierarchique</a:t>
+              <a:t>securisee</a:t>
+            </a:r>
+            <a:endParaRPr lang="en-US" dirty="0"/>
+          </a:p>
+          <a:p>
+            <a:pPr lvl="1"/>
+            <a:r>
+              <a:rPr lang="en-US" dirty="0" err="1" smtClean="0"/>
+              <a:t>Requetes</a:t>
             </a:r>
             <a:r>
               <a:rPr lang="en-US" dirty="0" smtClean="0"/>
-              <a:t> sous </a:t>
+              <a:t> SQL </a:t>
             </a:r>
             <a:r>
               <a:rPr lang="en-US" dirty="0" err="1" smtClean="0"/>
-              <a:t>forme</a:t>
-            </a:r>
+              <a:t>preparees</a:t>
+            </a:r>
+            <a:endParaRPr lang="en-US" dirty="0" smtClean="0"/>
+          </a:p>
+          <a:p>
+            <a:pPr lvl="1"/>
             <a:r>
               <a:rPr lang="en-US" dirty="0" smtClean="0"/>
-              <a:t> </a:t>
+              <a:t>PDO</a:t>
+            </a:r>
+          </a:p>
+          <a:p>
+            <a:pPr lvl="1"/>
+            <a:r>
+              <a:rPr lang="en-US" dirty="0" smtClean="0"/>
+              <a:t>Hash du mot de </a:t>
             </a:r>
             <a:r>
               <a:rPr lang="en-US" dirty="0" err="1" smtClean="0"/>
-              <a:t>d’arbre</a:t>
-            </a:r>
-            <a:r>
-              <a:rPr lang="en-US" dirty="0" smtClean="0"/>
-              <a:t> </a:t>
-            </a:r>
-            <a:r>
-              <a:rPr lang="en-US" dirty="0" err="1" smtClean="0"/>
-              <a:t>arbre</a:t>
+              <a:t>passe</a:t>
             </a:r>
             <a:endParaRPr lang="en-US" dirty="0" smtClean="0"/>
           </a:p>
-          <a:p>
-            <a:r>
-              <a:rPr lang="en-US" dirty="0" err="1" smtClean="0"/>
-              <a:t>Liste</a:t>
-            </a:r>
-            <a:r>
-              <a:rPr lang="en-US" dirty="0" smtClean="0"/>
-              <a:t> les </a:t>
-            </a:r>
-            <a:r>
-              <a:rPr lang="en-US" dirty="0" err="1" smtClean="0"/>
-              <a:t>differents</a:t>
-            </a:r>
-            <a:r>
-              <a:rPr lang="en-US" dirty="0" smtClean="0"/>
-              <a:t> items de configuration utilizes par </a:t>
-            </a:r>
-            <a:r>
-              <a:rPr lang="en-US" dirty="0" err="1" smtClean="0"/>
-              <a:t>chaque</a:t>
-            </a:r>
-            <a:r>
-              <a:rPr lang="en-US" dirty="0" smtClean="0"/>
-              <a:t> application</a:t>
-            </a:r>
-          </a:p>
-          <a:p>
-            <a:pPr lvl="1"/>
-            <a:r>
-              <a:rPr lang="en-US" dirty="0" err="1" smtClean="0"/>
-              <a:t>Organisation</a:t>
-            </a:r>
-            <a:r>
-              <a:rPr lang="en-US" dirty="0" smtClean="0"/>
-              <a:t> sous </a:t>
-            </a:r>
-            <a:r>
-              <a:rPr lang="en-US" dirty="0" err="1" smtClean="0"/>
-              <a:t>forme</a:t>
-            </a:r>
-            <a:r>
-              <a:rPr lang="en-US" dirty="0" smtClean="0"/>
-              <a:t> de </a:t>
-            </a:r>
-            <a:r>
-              <a:rPr lang="en-US" dirty="0" err="1" smtClean="0"/>
-              <a:t>graphe</a:t>
-            </a:r>
-            <a:endParaRPr lang="en-US" dirty="0"/>
+        </p:txBody>
+      </p:sp>
+      <p:pic>
+        <p:nvPicPr>
+          <p:cNvPr id="4" name="Picture 3"/>
+          <p:cNvPicPr>
+            <a:picLocks noChangeAspect="1"/>
+          </p:cNvPicPr>
+          <p:nvPr/>
+        </p:nvPicPr>
+        <p:blipFill>
+          <a:blip r:embed="rId2">
+            <a:extLst>
+              <a:ext uri="{28A0092B-C50C-407E-A947-70E740481C1C}">
+                <a14:useLocalDpi xmlns:a14="http://schemas.microsoft.com/office/drawing/2010/main" val="0"/>
+              </a:ext>
+            </a:extLst>
+          </a:blip>
+          <a:stretch>
+            <a:fillRect/>
+          </a:stretch>
+        </p:blipFill>
+        <p:spPr>
+          <a:xfrm>
+            <a:off x="5520561" y="3860898"/>
+            <a:ext cx="6315156" cy="1406046"/>
+          </a:xfrm>
+          <a:prstGeom prst="rect">
+            <a:avLst/>
+          </a:prstGeom>
+        </p:spPr>
+      </p:pic>
+      <p:sp>
+        <p:nvSpPr>
+          <p:cNvPr id="5" name="Slide Number Placeholder 4"/>
+          <p:cNvSpPr>
+            <a:spLocks noGrp="1"/>
+          </p:cNvSpPr>
+          <p:nvPr>
+            <p:ph type="sldNum" sz="quarter" idx="12"/>
+          </p:nvPr>
+        </p:nvSpPr>
+        <p:spPr/>
+        <p:txBody>
+          <a:bodyPr/>
+          <a:lstStyle/>
+          <a:p>
+            <a:fld id="{57DC53DE-AFDD-4F57-970B-41BDA98A7F7B}" type="slidenum">
+              <a:rPr lang="en-US" smtClean="0"/>
+              <a:t>11</a:t>
+            </a:fld>
+            <a:endParaRPr lang="en-US"/>
           </a:p>
         </p:txBody>
       </p:sp>
     </p:spTree>
     <p:extLst>
       <p:ext uri="{BB962C8B-B14F-4D97-AF65-F5344CB8AC3E}">
-        <p14:creationId xmlns:p14="http://schemas.microsoft.com/office/powerpoint/2010/main" val="537567197"/>
+        <p14:creationId xmlns:p14="http://schemas.microsoft.com/office/powerpoint/2010/main" val="2257320113"/>
       </p:ext>
     </p:extLst>
   </p:cSld>
@@ -7245,114 +7416,68 @@
           <a:p>
             <a:r>
               <a:rPr lang="en-US" dirty="0" smtClean="0"/>
-              <a:t>3C. </a:t>
-            </a:r>
-            <a:r>
-              <a:rPr lang="en-US" dirty="0" err="1"/>
-              <a:t>Deroulement</a:t>
-            </a:r>
-            <a:r>
-              <a:rPr lang="en-US" dirty="0"/>
-              <a:t> – </a:t>
-            </a:r>
-            <a:r>
-              <a:rPr lang="en-US" dirty="0" smtClean="0"/>
-              <a:t>Data centers</a:t>
+              <a:t>4. Demonstration</a:t>
             </a:r>
             <a:endParaRPr lang="en-US" dirty="0"/>
           </a:p>
         </p:txBody>
       </p:sp>
-      <p:sp>
-        <p:nvSpPr>
-          <p:cNvPr id="3" name="Content Placeholder 2"/>
-          <p:cNvSpPr>
-            <a:spLocks noGrp="1"/>
-          </p:cNvSpPr>
+      <p:pic>
+        <p:nvPicPr>
+          <p:cNvPr id="4" name="Content Placeholder 3"/>
+          <p:cNvPicPr>
+            <a:picLocks noGrp="1" noChangeAspect="1"/>
+          </p:cNvPicPr>
           <p:nvPr>
             <p:ph idx="1"/>
           </p:nvPr>
+        </p:nvPicPr>
+        <p:blipFill>
+          <a:blip r:embed="rId2" cstate="print">
+            <a:extLst>
+              <a:ext uri="{28A0092B-C50C-407E-A947-70E740481C1C}">
+                <a14:useLocalDpi xmlns:a14="http://schemas.microsoft.com/office/drawing/2010/main" val="0"/>
+              </a:ext>
+            </a:extLst>
+          </a:blip>
+          <a:stretch>
+            <a:fillRect/>
+          </a:stretch>
+        </p:blipFill>
+        <p:spPr>
+          <a:xfrm>
+            <a:off x="4002364" y="2303201"/>
+            <a:ext cx="4187273" cy="3487999"/>
+          </a:xfrm>
+        </p:spPr>
+      </p:pic>
+      <p:sp>
+        <p:nvSpPr>
+          <p:cNvPr id="3" name="Slide Number Placeholder 2"/>
+          <p:cNvSpPr>
+            <a:spLocks noGrp="1"/>
+          </p:cNvSpPr>
+          <p:nvPr>
+            <p:ph type="sldNum" sz="quarter" idx="12"/>
+          </p:nvPr>
         </p:nvSpPr>
         <p:spPr/>
         <p:txBody>
           <a:bodyPr/>
           <a:lstStyle/>
           <a:p>
-            <a:r>
-              <a:rPr lang="en-US" dirty="0" err="1" smtClean="0"/>
-              <a:t>Liste</a:t>
-            </a:r>
-            <a:r>
-              <a:rPr lang="en-US" dirty="0" smtClean="0"/>
-              <a:t> les plans des data centers de </a:t>
-            </a:r>
-            <a:r>
-              <a:rPr lang="en-US" dirty="0" err="1" smtClean="0"/>
-              <a:t>l’entreprise</a:t>
-            </a:r>
-            <a:endParaRPr lang="en-US" dirty="0" smtClean="0"/>
-          </a:p>
-          <a:p>
-            <a:r>
-              <a:rPr lang="en-US" dirty="0" err="1" smtClean="0"/>
-              <a:t>Ajout</a:t>
-            </a:r>
-            <a:r>
-              <a:rPr lang="en-US" dirty="0" smtClean="0"/>
-              <a:t>/suppression de cabinets</a:t>
-            </a:r>
-          </a:p>
-          <a:p>
-            <a:r>
-              <a:rPr lang="en-US" dirty="0" err="1" smtClean="0"/>
-              <a:t>Vues</a:t>
-            </a:r>
-            <a:r>
-              <a:rPr lang="en-US" dirty="0" smtClean="0"/>
-              <a:t> </a:t>
-            </a:r>
-            <a:r>
-              <a:rPr lang="en-US" dirty="0" err="1" smtClean="0"/>
-              <a:t>rapprochees</a:t>
-            </a:r>
-            <a:r>
-              <a:rPr lang="en-US" dirty="0" smtClean="0"/>
-              <a:t> pour </a:t>
-            </a:r>
-            <a:r>
-              <a:rPr lang="en-US" dirty="0" err="1" smtClean="0"/>
-              <a:t>chaque</a:t>
-            </a:r>
-            <a:r>
-              <a:rPr lang="en-US" dirty="0" smtClean="0"/>
-              <a:t> cabinet</a:t>
-            </a:r>
-          </a:p>
-          <a:p>
-            <a:r>
-              <a:rPr lang="en-US" dirty="0" err="1" smtClean="0"/>
-              <a:t>Ajout</a:t>
-            </a:r>
-            <a:r>
-              <a:rPr lang="en-US" dirty="0" smtClean="0"/>
-              <a:t>/suppression de </a:t>
-            </a:r>
-            <a:r>
-              <a:rPr lang="en-US" dirty="0" err="1" smtClean="0"/>
-              <a:t>serveurs</a:t>
-            </a:r>
-            <a:r>
-              <a:rPr lang="en-US" dirty="0" smtClean="0"/>
-              <a:t> (items de configuration) sur les cabinets</a:t>
-            </a:r>
-            <a:endParaRPr lang="en-US" dirty="0"/>
+            <a:fld id="{57DC53DE-AFDD-4F57-970B-41BDA98A7F7B}" type="slidenum">
+              <a:rPr lang="en-US" smtClean="0"/>
+              <a:t>12</a:t>
+            </a:fld>
+            <a:endParaRPr lang="en-US"/>
           </a:p>
         </p:txBody>
       </p:sp>
     </p:spTree>
     <p:extLst>
       <p:ext uri="{BB962C8B-B14F-4D97-AF65-F5344CB8AC3E}">
-        <p14:creationId xmlns:p14="http://schemas.microsoft.com/office/powerpoint/2010/main" val="1724116666"/>
+        <p14:creationId xmlns:p14="http://schemas.microsoft.com/office/powerpoint/2010/main" val="1445376369"/>
       </p:ext>
     </p:extLst>
   </p:cSld>
@@ -7403,45 +7528,155 @@
           <a:p>
             <a:r>
               <a:rPr lang="en-US" dirty="0" smtClean="0"/>
-              <a:t>4. Demonstration</a:t>
+              <a:t>5. </a:t>
+            </a:r>
+            <a:r>
+              <a:rPr lang="en-US" dirty="0" err="1" smtClean="0"/>
+              <a:t>Strategie</a:t>
+            </a:r>
+            <a:r>
+              <a:rPr lang="en-US" dirty="0" smtClean="0"/>
+              <a:t> </a:t>
+            </a:r>
+            <a:r>
+              <a:rPr lang="en-US" dirty="0" err="1" smtClean="0"/>
+              <a:t>economique</a:t>
             </a:r>
             <a:endParaRPr lang="en-US" dirty="0"/>
           </a:p>
         </p:txBody>
       </p:sp>
-      <p:pic>
-        <p:nvPicPr>
-          <p:cNvPr id="4" name="Content Placeholder 3"/>
-          <p:cNvPicPr>
-            <a:picLocks noGrp="1" noChangeAspect="1"/>
-          </p:cNvPicPr>
+      <p:sp>
+        <p:nvSpPr>
+          <p:cNvPr id="3" name="Content Placeholder 2"/>
+          <p:cNvSpPr>
+            <a:spLocks noGrp="1"/>
+          </p:cNvSpPr>
           <p:nvPr>
             <p:ph idx="1"/>
           </p:nvPr>
-        </p:nvPicPr>
-        <p:blipFill>
-          <a:blip r:embed="rId2" cstate="print">
-            <a:extLst>
-              <a:ext uri="{28A0092B-C50C-407E-A947-70E740481C1C}">
-                <a14:useLocalDpi xmlns:a14="http://schemas.microsoft.com/office/drawing/2010/main" val="0"/>
-              </a:ext>
-            </a:extLst>
-          </a:blip>
-          <a:stretch>
-            <a:fillRect/>
-          </a:stretch>
-        </p:blipFill>
-        <p:spPr>
-          <a:xfrm>
-            <a:off x="4002364" y="2303201"/>
-            <a:ext cx="4187273" cy="3487999"/>
-          </a:xfrm>
-        </p:spPr>
-      </p:pic>
+        </p:nvSpPr>
+        <p:spPr/>
+        <p:txBody>
+          <a:bodyPr/>
+          <a:lstStyle/>
+          <a:p>
+            <a:r>
+              <a:rPr lang="en-US" dirty="0" smtClean="0"/>
+              <a:t>Prototype destine aux </a:t>
+            </a:r>
+            <a:r>
+              <a:rPr lang="en-US" dirty="0" err="1" smtClean="0"/>
+              <a:t>investisseurs</a:t>
+            </a:r>
+            <a:endParaRPr lang="en-US" dirty="0" smtClean="0"/>
+          </a:p>
+          <a:p>
+            <a:pPr lvl="1"/>
+            <a:r>
+              <a:rPr lang="en-US" dirty="0" err="1"/>
+              <a:t>Acquerir</a:t>
+            </a:r>
+            <a:r>
+              <a:rPr lang="en-US" dirty="0"/>
+              <a:t> des </a:t>
+            </a:r>
+            <a:r>
+              <a:rPr lang="en-US" dirty="0" err="1"/>
+              <a:t>fonds</a:t>
+            </a:r>
+            <a:r>
+              <a:rPr lang="en-US" dirty="0"/>
+              <a:t> pour developer </a:t>
+            </a:r>
+            <a:r>
+              <a:rPr lang="en-US" dirty="0" err="1"/>
+              <a:t>une</a:t>
+            </a:r>
+            <a:r>
+              <a:rPr lang="en-US" dirty="0"/>
+              <a:t> version </a:t>
+            </a:r>
+            <a:r>
+              <a:rPr lang="en-US" dirty="0" err="1"/>
+              <a:t>commerciale</a:t>
+            </a:r>
+            <a:r>
+              <a:rPr lang="en-US" dirty="0"/>
+              <a:t> de </a:t>
+            </a:r>
+            <a:r>
+              <a:rPr lang="en-US" dirty="0" err="1" smtClean="0"/>
+              <a:t>l’application</a:t>
+            </a:r>
+            <a:endParaRPr lang="en-US" dirty="0" smtClean="0"/>
+          </a:p>
+          <a:p>
+            <a:r>
+              <a:rPr lang="en-US" dirty="0" err="1" smtClean="0"/>
+              <a:t>Logiciel</a:t>
+            </a:r>
+            <a:r>
+              <a:rPr lang="en-US" dirty="0" smtClean="0"/>
+              <a:t> open-source</a:t>
+            </a:r>
+          </a:p>
+          <a:p>
+            <a:pPr lvl="1"/>
+            <a:r>
+              <a:rPr lang="en-US" dirty="0" err="1" smtClean="0"/>
+              <a:t>Libre</a:t>
+            </a:r>
+            <a:r>
+              <a:rPr lang="en-US" dirty="0" smtClean="0"/>
+              <a:t> access aux travers de sites like </a:t>
+            </a:r>
+            <a:r>
+              <a:rPr lang="en-US" dirty="0" err="1" smtClean="0"/>
+              <a:t>SourceForge</a:t>
+            </a:r>
+            <a:r>
+              <a:rPr lang="en-US" dirty="0" smtClean="0"/>
+              <a:t> </a:t>
+            </a:r>
+            <a:r>
+              <a:rPr lang="en-US" dirty="0" err="1" smtClean="0"/>
+              <a:t>ou</a:t>
+            </a:r>
+            <a:r>
+              <a:rPr lang="en-US" dirty="0" smtClean="0"/>
+              <a:t> GitHub</a:t>
+            </a:r>
+          </a:p>
+        </p:txBody>
+      </p:sp>
+      <p:sp>
+        <p:nvSpPr>
+          <p:cNvPr id="4" name="Slide Number Placeholder 3"/>
+          <p:cNvSpPr>
+            <a:spLocks noGrp="1"/>
+          </p:cNvSpPr>
+          <p:nvPr>
+            <p:ph type="sldNum" sz="quarter" idx="12"/>
+          </p:nvPr>
+        </p:nvSpPr>
+        <p:spPr/>
+        <p:txBody>
+          <a:bodyPr/>
+          <a:lstStyle/>
+          <a:p>
+            <a:fld id="{57DC53DE-AFDD-4F57-970B-41BDA98A7F7B}" type="slidenum">
+              <a:rPr lang="en-US" smtClean="0"/>
+              <a:t>13</a:t>
+            </a:fld>
+            <a:endParaRPr lang="en-US"/>
+          </a:p>
+        </p:txBody>
+      </p:sp>
     </p:spTree>
     <p:extLst>
       <p:ext uri="{BB962C8B-B14F-4D97-AF65-F5344CB8AC3E}">
-        <p14:creationId xmlns:p14="http://schemas.microsoft.com/office/powerpoint/2010/main" val="1445376369"/>
+        <p14:creationId xmlns:p14="http://schemas.microsoft.com/office/powerpoint/2010/main" val="2525067965"/>
       </p:ext>
     </p:extLst>
   </p:cSld>
@@ -7492,19 +7727,19 @@
           <a:p>
             <a:r>
               <a:rPr lang="en-US" dirty="0" smtClean="0"/>
-              <a:t>5. </a:t>
+              <a:t>6. </a:t>
             </a:r>
             <a:r>
               <a:rPr lang="en-US" dirty="0" err="1" smtClean="0"/>
-              <a:t>Strategie</a:t>
+              <a:t>Gestion</a:t>
             </a:r>
             <a:r>
               <a:rPr lang="en-US" dirty="0" smtClean="0"/>
-              <a:t> </a:t>
+              <a:t> de </a:t>
             </a:r>
             <a:r>
               <a:rPr lang="en-US" dirty="0" err="1" smtClean="0"/>
-              <a:t>economique</a:t>
+              <a:t>projet</a:t>
             </a:r>
             <a:endParaRPr lang="en-US" dirty="0"/>
           </a:p>
@@ -7527,97 +7762,89 @@
           <a:p>
             <a:r>
               <a:rPr lang="en-US" dirty="0" smtClean="0"/>
-              <a:t>Prototype destine aux </a:t>
+              <a:t>Brainstorming </a:t>
             </a:r>
             <a:r>
               <a:rPr lang="en-US" dirty="0" err="1" smtClean="0"/>
-              <a:t>investisseurs</a:t>
+              <a:t>lors</a:t>
+            </a:r>
+            <a:r>
+              <a:rPr lang="en-US" dirty="0" smtClean="0"/>
+              <a:t> du premier </a:t>
+            </a:r>
+            <a:r>
+              <a:rPr lang="en-US" dirty="0" err="1" smtClean="0"/>
+              <a:t>mois</a:t>
+            </a:r>
+            <a:r>
+              <a:rPr lang="en-US" dirty="0" smtClean="0"/>
+              <a:t> de stage</a:t>
+            </a:r>
+          </a:p>
+          <a:p>
+            <a:r>
+              <a:rPr lang="en-US" dirty="0" smtClean="0"/>
+              <a:t>Reunions </a:t>
+            </a:r>
+            <a:r>
+              <a:rPr lang="en-US" dirty="0" err="1" smtClean="0"/>
+              <a:t>hebdomadaires</a:t>
+            </a:r>
+            <a:r>
+              <a:rPr lang="en-US" dirty="0" smtClean="0"/>
+              <a:t> avec Ritch Houdek</a:t>
+            </a:r>
+          </a:p>
+          <a:p>
+            <a:r>
+              <a:rPr lang="en-US" dirty="0" err="1" smtClean="0"/>
+              <a:t>Versionnage</a:t>
+            </a:r>
+            <a:r>
+              <a:rPr lang="en-US" dirty="0" smtClean="0"/>
+              <a:t> du code avec </a:t>
+            </a:r>
+            <a:r>
+              <a:rPr lang="en-US" dirty="0" err="1" smtClean="0"/>
+              <a:t>Bitbucket</a:t>
             </a:r>
             <a:endParaRPr lang="en-US" dirty="0" smtClean="0"/>
           </a:p>
           <a:p>
-            <a:pPr lvl="1"/>
-            <a:r>
-              <a:rPr lang="en-US" dirty="0" err="1"/>
-              <a:t>Acquerir</a:t>
-            </a:r>
-            <a:r>
-              <a:rPr lang="en-US" dirty="0"/>
-              <a:t> des </a:t>
-            </a:r>
-            <a:r>
-              <a:rPr lang="en-US" dirty="0" err="1"/>
-              <a:t>fonds</a:t>
-            </a:r>
-            <a:r>
-              <a:rPr lang="en-US" dirty="0"/>
-              <a:t> pour developer </a:t>
-            </a:r>
-            <a:r>
-              <a:rPr lang="en-US" dirty="0" err="1"/>
-              <a:t>une</a:t>
-            </a:r>
-            <a:r>
-              <a:rPr lang="en-US" dirty="0"/>
-              <a:t> version </a:t>
-            </a:r>
-            <a:r>
-              <a:rPr lang="en-US" dirty="0" err="1"/>
-              <a:t>commerciale</a:t>
-            </a:r>
-            <a:r>
-              <a:rPr lang="en-US" dirty="0"/>
-              <a:t> de </a:t>
-            </a:r>
-            <a:r>
-              <a:rPr lang="en-US" dirty="0" err="1" smtClean="0"/>
-              <a:t>l’application</a:t>
-            </a:r>
-            <a:endParaRPr lang="en-US" dirty="0" smtClean="0"/>
-          </a:p>
-          <a:p>
-            <a:r>
-              <a:rPr lang="en-US" dirty="0" err="1" smtClean="0"/>
-              <a:t>Logiciel</a:t>
-            </a:r>
-            <a:r>
-              <a:rPr lang="en-US" dirty="0" smtClean="0"/>
-              <a:t> open-source</a:t>
-            </a:r>
-          </a:p>
-          <a:p>
-            <a:pPr lvl="1"/>
-            <a:r>
-              <a:rPr lang="en-US" dirty="0" err="1" smtClean="0"/>
-              <a:t>Libre</a:t>
-            </a:r>
-            <a:r>
-              <a:rPr lang="en-US" dirty="0" smtClean="0"/>
-              <a:t> access aux travers de sites like </a:t>
-            </a:r>
-            <a:r>
-              <a:rPr lang="en-US" dirty="0" err="1" smtClean="0"/>
-              <a:t>SourceForge</a:t>
-            </a:r>
-            <a:r>
-              <a:rPr lang="en-US" dirty="0" smtClean="0"/>
-              <a:t> </a:t>
-            </a:r>
-            <a:r>
-              <a:rPr lang="en-US" dirty="0" err="1" smtClean="0"/>
-              <a:t>ou</a:t>
-            </a:r>
-            <a:r>
-              <a:rPr lang="en-US" dirty="0" smtClean="0"/>
-              <a:t> GitHub</a:t>
-            </a:r>
+            <a:pPr marL="0" indent="0">
+              <a:buNone/>
+            </a:pPr>
+            <a:endParaRPr lang="en-US" dirty="0"/>
+          </a:p>
+        </p:txBody>
+      </p:sp>
+      <p:sp>
+        <p:nvSpPr>
+          <p:cNvPr id="4" name="Slide Number Placeholder 3"/>
+          <p:cNvSpPr>
+            <a:spLocks noGrp="1"/>
+          </p:cNvSpPr>
+          <p:nvPr>
+            <p:ph type="sldNum" sz="quarter" idx="12"/>
+          </p:nvPr>
+        </p:nvSpPr>
+        <p:spPr/>
+        <p:txBody>
+          <a:bodyPr/>
+          <a:lstStyle/>
+          <a:p>
+            <a:fld id="{57DC53DE-AFDD-4F57-970B-41BDA98A7F7B}" type="slidenum">
+              <a:rPr lang="en-US" smtClean="0"/>
+              <a:t>14</a:t>
+            </a:fld>
+            <a:endParaRPr lang="en-US"/>
           </a:p>
         </p:txBody>
       </p:sp>
     </p:spTree>
     <p:extLst>
       <p:ext uri="{BB962C8B-B14F-4D97-AF65-F5344CB8AC3E}">
-        <p14:creationId xmlns:p14="http://schemas.microsoft.com/office/powerpoint/2010/main" val="2525067965"/>
+        <p14:creationId xmlns:p14="http://schemas.microsoft.com/office/powerpoint/2010/main" val="1828235199"/>
       </p:ext>
     </p:extLst>
   </p:cSld>
@@ -7671,98 +7898,77 @@
               <a:t>6. </a:t>
             </a:r>
             <a:r>
-              <a:rPr lang="en-US" dirty="0" err="1" smtClean="0"/>
+              <a:rPr lang="en-US" dirty="0" err="1"/>
               <a:t>Gestion</a:t>
             </a:r>
             <a:r>
-              <a:rPr lang="en-US" dirty="0" smtClean="0"/>
+              <a:rPr lang="en-US" dirty="0"/>
               <a:t> de </a:t>
             </a:r>
             <a:r>
-              <a:rPr lang="en-US" dirty="0" err="1" smtClean="0"/>
+              <a:rPr lang="en-US" dirty="0" err="1"/>
               <a:t>projet</a:t>
             </a:r>
             <a:endParaRPr lang="en-US" dirty="0"/>
           </a:p>
         </p:txBody>
       </p:sp>
-      <p:sp>
-        <p:nvSpPr>
-          <p:cNvPr id="3" name="Content Placeholder 2"/>
-          <p:cNvSpPr>
-            <a:spLocks noGrp="1"/>
-          </p:cNvSpPr>
+      <p:pic>
+        <p:nvPicPr>
+          <p:cNvPr id="4" name="Content Placeholder 3"/>
+          <p:cNvPicPr>
+            <a:picLocks noGrp="1" noChangeAspect="1"/>
+          </p:cNvPicPr>
           <p:nvPr>
             <p:ph idx="1"/>
           </p:nvPr>
+        </p:nvPicPr>
+        <p:blipFill>
+          <a:blip r:embed="rId2">
+            <a:extLst>
+              <a:ext uri="{28A0092B-C50C-407E-A947-70E740481C1C}">
+                <a14:useLocalDpi xmlns:a14="http://schemas.microsoft.com/office/drawing/2010/main" val="0"/>
+              </a:ext>
+            </a:extLst>
+          </a:blip>
+          <a:stretch>
+            <a:fillRect/>
+          </a:stretch>
+        </p:blipFill>
+        <p:spPr>
+          <a:xfrm>
+            <a:off x="253520" y="2438399"/>
+            <a:ext cx="11684960" cy="3127950"/>
+          </a:xfrm>
+        </p:spPr>
+      </p:pic>
+      <p:sp>
+        <p:nvSpPr>
+          <p:cNvPr id="3" name="Slide Number Placeholder 2"/>
+          <p:cNvSpPr>
+            <a:spLocks noGrp="1"/>
+          </p:cNvSpPr>
+          <p:nvPr>
+            <p:ph type="sldNum" sz="quarter" idx="12"/>
+          </p:nvPr>
         </p:nvSpPr>
         <p:spPr/>
         <p:txBody>
           <a:bodyPr/>
           <a:lstStyle/>
           <a:p>
-            <a:r>
-              <a:rPr lang="en-US" dirty="0" smtClean="0"/>
-              <a:t>Brainstorming </a:t>
-            </a:r>
-            <a:r>
-              <a:rPr lang="en-US" dirty="0" err="1" smtClean="0"/>
-              <a:t>lors</a:t>
-            </a:r>
-            <a:r>
-              <a:rPr lang="en-US" dirty="0" smtClean="0"/>
-              <a:t> du premier </a:t>
-            </a:r>
-            <a:r>
-              <a:rPr lang="en-US" dirty="0" err="1" smtClean="0"/>
-              <a:t>mois</a:t>
-            </a:r>
-            <a:r>
-              <a:rPr lang="en-US" dirty="0" smtClean="0"/>
-              <a:t> de stage</a:t>
-            </a:r>
-          </a:p>
-          <a:p>
-            <a:r>
-              <a:rPr lang="en-US" dirty="0" smtClean="0"/>
-              <a:t>Reunions </a:t>
-            </a:r>
-            <a:r>
-              <a:rPr lang="en-US" dirty="0" err="1" smtClean="0"/>
-              <a:t>hebdomadaires</a:t>
-            </a:r>
-            <a:r>
-              <a:rPr lang="en-US" dirty="0" smtClean="0"/>
-              <a:t> avec Ritch Houdek</a:t>
-            </a:r>
-          </a:p>
-          <a:p>
-            <a:r>
-              <a:rPr lang="en-US" dirty="0" err="1" smtClean="0"/>
-              <a:t>Versionnage</a:t>
-            </a:r>
-            <a:r>
-              <a:rPr lang="en-US" dirty="0" smtClean="0"/>
-              <a:t> du code avec </a:t>
-            </a:r>
-            <a:r>
-              <a:rPr lang="en-US" dirty="0" err="1" smtClean="0"/>
-              <a:t>Bitbucket</a:t>
-            </a:r>
-            <a:endParaRPr lang="en-US" dirty="0" smtClean="0"/>
-          </a:p>
-          <a:p>
-            <a:pPr marL="0" indent="0">
-              <a:buNone/>
-            </a:pPr>
-            <a:endParaRPr lang="en-US" dirty="0"/>
+            <a:fld id="{57DC53DE-AFDD-4F57-970B-41BDA98A7F7B}" type="slidenum">
+              <a:rPr lang="en-US" smtClean="0"/>
+              <a:t>15</a:t>
+            </a:fld>
+            <a:endParaRPr lang="en-US"/>
           </a:p>
         </p:txBody>
       </p:sp>
     </p:spTree>
     <p:extLst>
       <p:ext uri="{BB962C8B-B14F-4D97-AF65-F5344CB8AC3E}">
-        <p14:creationId xmlns:p14="http://schemas.microsoft.com/office/powerpoint/2010/main" val="1828235199"/>
+        <p14:creationId xmlns:p14="http://schemas.microsoft.com/office/powerpoint/2010/main" val="1091214134"/>
       </p:ext>
     </p:extLst>
   </p:cSld>
@@ -7813,11 +8019,84 @@
           <a:p>
             <a:r>
               <a:rPr lang="en-US" dirty="0" smtClean="0"/>
-              <a:t>6. </a:t>
+              <a:t>Conclusion</a:t>
+            </a:r>
+            <a:endParaRPr lang="en-US" dirty="0"/>
+          </a:p>
+        </p:txBody>
+      </p:sp>
+      <p:sp>
+        <p:nvSpPr>
+          <p:cNvPr id="3" name="Content Placeholder 2"/>
+          <p:cNvSpPr>
+            <a:spLocks noGrp="1"/>
+          </p:cNvSpPr>
+          <p:nvPr>
+            <p:ph idx="1"/>
+          </p:nvPr>
+        </p:nvSpPr>
+        <p:spPr/>
+        <p:txBody>
+          <a:bodyPr/>
+          <a:lstStyle/>
+          <a:p>
+            <a:r>
+              <a:rPr lang="en-US" dirty="0" smtClean="0"/>
+              <a:t>Le </a:t>
+            </a:r>
+            <a:r>
+              <a:rPr lang="en-US" dirty="0" err="1" smtClean="0"/>
+              <a:t>projet</a:t>
+            </a:r>
+            <a:r>
+              <a:rPr lang="en-US" dirty="0" smtClean="0"/>
+              <a:t> </a:t>
+            </a:r>
+            <a:r>
+              <a:rPr lang="en-US" dirty="0" err="1" smtClean="0"/>
+              <a:t>repond</a:t>
+            </a:r>
+            <a:r>
+              <a:rPr lang="en-US" dirty="0" smtClean="0"/>
+              <a:t> </a:t>
+            </a:r>
+            <a:r>
+              <a:rPr lang="en-US" dirty="0" err="1" smtClean="0"/>
+              <a:t>completement</a:t>
+            </a:r>
+            <a:r>
+              <a:rPr lang="en-US" dirty="0" smtClean="0"/>
+              <a:t> aux </a:t>
+            </a:r>
+            <a:r>
+              <a:rPr lang="en-US" dirty="0" err="1" smtClean="0"/>
+              <a:t>besoins</a:t>
+            </a:r>
+            <a:r>
+              <a:rPr lang="en-US" dirty="0" smtClean="0"/>
+              <a:t> du client</a:t>
+            </a:r>
+          </a:p>
+          <a:p>
+            <a:pPr lvl="1"/>
+            <a:r>
+              <a:rPr lang="en-US" dirty="0"/>
+              <a:t>Solution simple et base </a:t>
             </a:r>
             <a:r>
               <a:rPr lang="en-US" dirty="0" err="1"/>
-              <a:t>Gestion</a:t>
+              <a:t>dans</a:t>
+            </a:r>
+            <a:r>
+              <a:rPr lang="en-US" dirty="0"/>
+              <a:t> le cloud</a:t>
+            </a:r>
+          </a:p>
+          <a:p>
+            <a:pPr lvl="1"/>
+            <a:r>
+              <a:rPr lang="en-US" dirty="0" err="1"/>
+              <a:t>Permet</a:t>
             </a:r>
             <a:r>
               <a:rPr lang="en-US" dirty="0"/>
@@ -7825,45 +8104,93 @@
             </a:r>
             <a:r>
               <a:rPr lang="en-US" dirty="0" err="1"/>
-              <a:t>projet</a:t>
-            </a:r>
-            <a:endParaRPr lang="en-US" dirty="0"/>
-          </a:p>
-        </p:txBody>
-      </p:sp>
-      <p:pic>
-        <p:nvPicPr>
-          <p:cNvPr id="4" name="Content Placeholder 3"/>
-          <p:cNvPicPr>
-            <a:picLocks noGrp="1" noChangeAspect="1"/>
-          </p:cNvPicPr>
-          <p:nvPr>
-            <p:ph idx="1"/>
-          </p:nvPr>
-        </p:nvPicPr>
-        <p:blipFill>
-          <a:blip r:embed="rId2">
-            <a:extLst>
-              <a:ext uri="{28A0092B-C50C-407E-A947-70E740481C1C}">
-                <a14:useLocalDpi xmlns:a14="http://schemas.microsoft.com/office/drawing/2010/main" val="0"/>
-              </a:ext>
-            </a:extLst>
-          </a:blip>
-          <a:stretch>
-            <a:fillRect/>
-          </a:stretch>
-        </p:blipFill>
-        <p:spPr>
-          <a:xfrm>
-            <a:off x="253520" y="2438399"/>
-            <a:ext cx="11684960" cy="3127950"/>
-          </a:xfrm>
-        </p:spPr>
-      </p:pic>
+              <a:t>gerer</a:t>
+            </a:r>
+            <a:r>
+              <a:rPr lang="en-US" dirty="0"/>
+              <a:t> les items de configuration de </a:t>
+            </a:r>
+            <a:r>
+              <a:rPr lang="en-US" dirty="0" err="1" smtClean="0"/>
+              <a:t>l’entreprise</a:t>
+            </a:r>
+            <a:endParaRPr lang="en-US" dirty="0" smtClean="0"/>
+          </a:p>
+          <a:p>
+            <a:r>
+              <a:rPr lang="en-US" dirty="0" smtClean="0"/>
+              <a:t>Ameliorations </a:t>
+            </a:r>
+            <a:r>
+              <a:rPr lang="en-US" dirty="0" err="1" smtClean="0"/>
+              <a:t>possibles</a:t>
+            </a:r>
+            <a:endParaRPr lang="en-US" dirty="0" smtClean="0"/>
+          </a:p>
+          <a:p>
+            <a:r>
+              <a:rPr lang="en-US" dirty="0" smtClean="0"/>
+              <a:t>Experience </a:t>
+            </a:r>
+            <a:r>
+              <a:rPr lang="en-US" dirty="0" err="1" smtClean="0"/>
+              <a:t>essentielle</a:t>
+            </a:r>
+            <a:r>
+              <a:rPr lang="en-US" dirty="0" smtClean="0"/>
+              <a:t> pour ma preparation </a:t>
+            </a:r>
+            <a:r>
+              <a:rPr lang="en-US" dirty="0" err="1" smtClean="0"/>
+              <a:t>en</a:t>
+            </a:r>
+            <a:r>
+              <a:rPr lang="en-US" dirty="0" smtClean="0"/>
+              <a:t> </a:t>
+            </a:r>
+            <a:r>
+              <a:rPr lang="en-US" dirty="0" err="1" smtClean="0"/>
+              <a:t>tant</a:t>
+            </a:r>
+            <a:r>
+              <a:rPr lang="en-US" dirty="0" smtClean="0"/>
+              <a:t> </a:t>
+            </a:r>
+            <a:r>
+              <a:rPr lang="en-US" dirty="0" err="1" smtClean="0"/>
+              <a:t>qu’ingenieur</a:t>
+            </a:r>
+            <a:endParaRPr lang="en-US" dirty="0" smtClean="0"/>
+          </a:p>
+        </p:txBody>
+      </p:sp>
+      <p:sp>
+        <p:nvSpPr>
+          <p:cNvPr id="4" name="Slide Number Placeholder 3"/>
+          <p:cNvSpPr>
+            <a:spLocks noGrp="1"/>
+          </p:cNvSpPr>
+          <p:nvPr>
+            <p:ph type="sldNum" sz="quarter" idx="12"/>
+          </p:nvPr>
+        </p:nvSpPr>
+        <p:spPr/>
+        <p:txBody>
+          <a:bodyPr/>
+          <a:lstStyle/>
+          <a:p>
+            <a:fld id="{57DC53DE-AFDD-4F57-970B-41BDA98A7F7B}" type="slidenum">
+              <a:rPr lang="en-US" smtClean="0"/>
+              <a:t>16</a:t>
+            </a:fld>
+            <a:endParaRPr lang="en-US"/>
+          </a:p>
+        </p:txBody>
+      </p:sp>
     </p:spTree>
     <p:extLst>
       <p:ext uri="{BB962C8B-B14F-4D97-AF65-F5344CB8AC3E}">
-        <p14:creationId xmlns:p14="http://schemas.microsoft.com/office/powerpoint/2010/main" val="1091214134"/>
+        <p14:creationId xmlns:p14="http://schemas.microsoft.com/office/powerpoint/2010/main" val="3474117698"/>
       </p:ext>
     </p:extLst>
   </p:cSld>
@@ -7914,205 +8241,6 @@
           <a:p>
             <a:r>
               <a:rPr lang="en-US" dirty="0" smtClean="0"/>
-              <a:t>Conclusion</a:t>
-            </a:r>
-            <a:endParaRPr lang="en-US" dirty="0"/>
-          </a:p>
-        </p:txBody>
-      </p:sp>
-      <p:sp>
-        <p:nvSpPr>
-          <p:cNvPr id="3" name="Content Placeholder 2"/>
-          <p:cNvSpPr>
-            <a:spLocks noGrp="1"/>
-          </p:cNvSpPr>
-          <p:nvPr>
-            <p:ph idx="1"/>
-          </p:nvPr>
-        </p:nvSpPr>
-        <p:spPr/>
-        <p:txBody>
-          <a:bodyPr/>
-          <a:lstStyle/>
-          <a:p>
-            <a:r>
-              <a:rPr lang="en-US" dirty="0" smtClean="0"/>
-              <a:t>Le </a:t>
-            </a:r>
-            <a:r>
-              <a:rPr lang="en-US" dirty="0" err="1" smtClean="0"/>
-              <a:t>projet</a:t>
-            </a:r>
-            <a:r>
-              <a:rPr lang="en-US" dirty="0" smtClean="0"/>
-              <a:t> </a:t>
-            </a:r>
-            <a:r>
-              <a:rPr lang="en-US" dirty="0" err="1" smtClean="0"/>
-              <a:t>repond</a:t>
-            </a:r>
-            <a:r>
-              <a:rPr lang="en-US" dirty="0" smtClean="0"/>
-              <a:t> </a:t>
-            </a:r>
-            <a:r>
-              <a:rPr lang="en-US" dirty="0" err="1" smtClean="0"/>
-              <a:t>completement</a:t>
-            </a:r>
-            <a:r>
-              <a:rPr lang="en-US" dirty="0" smtClean="0"/>
-              <a:t> aux </a:t>
-            </a:r>
-            <a:r>
-              <a:rPr lang="en-US" dirty="0" err="1" smtClean="0"/>
-              <a:t>besoins</a:t>
-            </a:r>
-            <a:r>
-              <a:rPr lang="en-US" dirty="0" smtClean="0"/>
-              <a:t> du client</a:t>
-            </a:r>
-          </a:p>
-          <a:p>
-            <a:pPr lvl="1"/>
-            <a:r>
-              <a:rPr lang="en-US" dirty="0"/>
-              <a:t>Solution simple et base </a:t>
-            </a:r>
-            <a:r>
-              <a:rPr lang="en-US" dirty="0" err="1"/>
-              <a:t>dans</a:t>
-            </a:r>
-            <a:r>
-              <a:rPr lang="en-US" dirty="0"/>
-              <a:t> le cloud</a:t>
-            </a:r>
-          </a:p>
-          <a:p>
-            <a:pPr lvl="1"/>
-            <a:r>
-              <a:rPr lang="en-US" dirty="0" err="1"/>
-              <a:t>Permet</a:t>
-            </a:r>
-            <a:r>
-              <a:rPr lang="en-US" dirty="0"/>
-              <a:t> de </a:t>
-            </a:r>
-            <a:r>
-              <a:rPr lang="en-US" dirty="0" err="1"/>
-              <a:t>gerer</a:t>
-            </a:r>
-            <a:r>
-              <a:rPr lang="en-US" dirty="0"/>
-              <a:t> les items de configuration de </a:t>
-            </a:r>
-            <a:r>
-              <a:rPr lang="en-US" dirty="0" err="1" smtClean="0"/>
-              <a:t>l’entreprise</a:t>
-            </a:r>
-            <a:endParaRPr lang="en-US" dirty="0" smtClean="0"/>
-          </a:p>
-          <a:p>
-            <a:r>
-              <a:rPr lang="en-US" dirty="0" smtClean="0"/>
-              <a:t>Ameliorations </a:t>
-            </a:r>
-            <a:r>
-              <a:rPr lang="en-US" dirty="0" err="1" smtClean="0"/>
-              <a:t>possibles</a:t>
-            </a:r>
-            <a:endParaRPr lang="en-US" dirty="0" smtClean="0"/>
-          </a:p>
-          <a:p>
-            <a:r>
-              <a:rPr lang="en-US" dirty="0" smtClean="0"/>
-              <a:t>Experience </a:t>
-            </a:r>
-            <a:r>
-              <a:rPr lang="en-US" dirty="0" err="1" smtClean="0"/>
-              <a:t>essentielle</a:t>
-            </a:r>
-            <a:r>
-              <a:rPr lang="en-US" dirty="0" smtClean="0"/>
-              <a:t> pour ma preparation </a:t>
-            </a:r>
-            <a:r>
-              <a:rPr lang="en-US" dirty="0" err="1" smtClean="0"/>
-              <a:t>en</a:t>
-            </a:r>
-            <a:r>
-              <a:rPr lang="en-US" dirty="0" smtClean="0"/>
-              <a:t> </a:t>
-            </a:r>
-            <a:r>
-              <a:rPr lang="en-US" dirty="0" err="1" smtClean="0"/>
-              <a:t>tant</a:t>
-            </a:r>
-            <a:r>
-              <a:rPr lang="en-US" dirty="0" smtClean="0"/>
-              <a:t> </a:t>
-            </a:r>
-            <a:r>
-              <a:rPr lang="en-US" dirty="0" err="1" smtClean="0"/>
-              <a:t>qu’ingenieur</a:t>
-            </a:r>
-            <a:endParaRPr lang="en-US" dirty="0" smtClean="0"/>
-          </a:p>
-        </p:txBody>
-      </p:sp>
-    </p:spTree>
-    <p:extLst>
-      <p:ext uri="{BB962C8B-B14F-4D97-AF65-F5344CB8AC3E}">
-        <p14:creationId xmlns:p14="http://schemas.microsoft.com/office/powerpoint/2010/main" val="3474117698"/>
-      </p:ext>
-    </p:extLst>
-  </p:cSld>
-  <p:clrMapOvr>
-    <a:masterClrMapping/>
-  </p:clrMapOvr>
-  <p:timing>
-    <p:tnLst>
-      <p:par>
-        <p:cTn id="1" dur="indefinite" restart="never" nodeType="tmRoot"/>
-      </p:par>
-    </p:tnLst>
-  </p:timing>
-</p:sld>
-</file>
-
-<file path=ppt/slides/slide18.xml><?xml version="1.0" encoding="utf-8"?>
-<p:sld xmlns:a="http://schemas.openxmlformats.org/drawingml/2006/main" xmlns:r="http://schemas.openxmlformats.org/officeDocument/2006/relationships" xmlns:p="http://schemas.openxmlformats.org/presentationml/2006/main">
-  <p:cSld>
-    <p:spTree>
-      <p:nvGrpSpPr>
-        <p:cNvPr id="1" name=""/>
-        <p:cNvGrpSpPr/>
-        <p:nvPr/>
-      </p:nvGrpSpPr>
-      <p:grpSpPr>
-        <a:xfrm>
-          <a:off x="0" y="0"/>
-          <a:ext cx="0" cy="0"/>
-          <a:chOff x="0" y="0"/>
-          <a:chExt cx="0" cy="0"/>
-        </a:xfrm>
-      </p:grpSpPr>
-      <p:sp>
-        <p:nvSpPr>
-          <p:cNvPr id="2" name="Title 1"/>
-          <p:cNvSpPr>
-            <a:spLocks noGrp="1"/>
-          </p:cNvSpPr>
-          <p:nvPr>
-            <p:ph type="title"/>
-          </p:nvPr>
-        </p:nvSpPr>
-        <p:spPr/>
-        <p:txBody>
-          <a:bodyPr/>
-          <a:lstStyle/>
-          <a:p>
-            <a:r>
-              <a:rPr lang="en-US" dirty="0" smtClean="0"/>
               <a:t>Merci pour </a:t>
             </a:r>
             <a:r>
@@ -8222,6 +8350,29 @@
           </a:prstGeom>
         </p:spPr>
       </p:pic>
+      <p:sp>
+        <p:nvSpPr>
+          <p:cNvPr id="5" name="Slide Number Placeholder 4"/>
+          <p:cNvSpPr>
+            <a:spLocks noGrp="1"/>
+          </p:cNvSpPr>
+          <p:nvPr>
+            <p:ph type="sldNum" sz="quarter" idx="12"/>
+          </p:nvPr>
+        </p:nvSpPr>
+        <p:spPr/>
+        <p:txBody>
+          <a:bodyPr/>
+          <a:lstStyle/>
+          <a:p>
+            <a:fld id="{57DC53DE-AFDD-4F57-970B-41BDA98A7F7B}" type="slidenum">
+              <a:rPr lang="en-US" smtClean="0"/>
+              <a:t>17</a:t>
+            </a:fld>
+            <a:endParaRPr lang="en-US"/>
+          </a:p>
+        </p:txBody>
+      </p:sp>
     </p:spTree>
     <p:extLst>
       <p:ext uri="{BB962C8B-B14F-4D97-AF65-F5344CB8AC3E}">
@@ -8411,6 +8562,29 @@
           </a:p>
         </p:txBody>
       </p:sp>
+      <p:sp>
+        <p:nvSpPr>
+          <p:cNvPr id="4" name="Slide Number Placeholder 3"/>
+          <p:cNvSpPr>
+            <a:spLocks noGrp="1"/>
+          </p:cNvSpPr>
+          <p:nvPr>
+            <p:ph type="sldNum" sz="quarter" idx="12"/>
+          </p:nvPr>
+        </p:nvSpPr>
+        <p:spPr/>
+        <p:txBody>
+          <a:bodyPr/>
+          <a:lstStyle/>
+          <a:p>
+            <a:fld id="{57DC53DE-AFDD-4F57-970B-41BDA98A7F7B}" type="slidenum">
+              <a:rPr lang="en-US" smtClean="0"/>
+              <a:t>2</a:t>
+            </a:fld>
+            <a:endParaRPr lang="en-US" dirty="0"/>
+          </a:p>
+        </p:txBody>
+      </p:sp>
     </p:spTree>
     <p:extLst>
       <p:ext uri="{BB962C8B-B14F-4D97-AF65-F5344CB8AC3E}">
@@ -8571,6 +8745,29 @@
           </a:p>
         </p:txBody>
       </p:sp>
+      <p:sp>
+        <p:nvSpPr>
+          <p:cNvPr id="4" name="Slide Number Placeholder 3"/>
+          <p:cNvSpPr>
+            <a:spLocks noGrp="1"/>
+          </p:cNvSpPr>
+          <p:nvPr>
+            <p:ph type="sldNum" sz="quarter" idx="12"/>
+          </p:nvPr>
+        </p:nvSpPr>
+        <p:spPr/>
+        <p:txBody>
+          <a:bodyPr/>
+          <a:lstStyle/>
+          <a:p>
+            <a:fld id="{57DC53DE-AFDD-4F57-970B-41BDA98A7F7B}" type="slidenum">
+              <a:rPr lang="en-US" smtClean="0"/>
+              <a:t>3</a:t>
+            </a:fld>
+            <a:endParaRPr lang="en-US" dirty="0"/>
+          </a:p>
+        </p:txBody>
+      </p:sp>
     </p:spTree>
     <p:extLst>
       <p:ext uri="{BB962C8B-B14F-4D97-AF65-F5344CB8AC3E}">
@@ -8791,6 +8988,29 @@
           </a:prstGeom>
         </p:spPr>
       </p:pic>
+      <p:sp>
+        <p:nvSpPr>
+          <p:cNvPr id="4" name="Slide Number Placeholder 3"/>
+          <p:cNvSpPr>
+            <a:spLocks noGrp="1"/>
+          </p:cNvSpPr>
+          <p:nvPr>
+            <p:ph type="sldNum" sz="quarter" idx="12"/>
+          </p:nvPr>
+        </p:nvSpPr>
+        <p:spPr/>
+        <p:txBody>
+          <a:bodyPr/>
+          <a:lstStyle/>
+          <a:p>
+            <a:fld id="{57DC53DE-AFDD-4F57-970B-41BDA98A7F7B}" type="slidenum">
+              <a:rPr lang="en-US" smtClean="0"/>
+              <a:t>4</a:t>
+            </a:fld>
+            <a:endParaRPr lang="en-US"/>
+          </a:p>
+        </p:txBody>
+      </p:sp>
     </p:spTree>
     <p:extLst>
       <p:ext uri="{BB962C8B-B14F-4D97-AF65-F5344CB8AC3E}">
@@ -8996,6 +9216,29 @@
           </a:p>
         </p:txBody>
       </p:sp>
+      <p:sp>
+        <p:nvSpPr>
+          <p:cNvPr id="4" name="Slide Number Placeholder 3"/>
+          <p:cNvSpPr>
+            <a:spLocks noGrp="1"/>
+          </p:cNvSpPr>
+          <p:nvPr>
+            <p:ph type="sldNum" sz="quarter" idx="12"/>
+          </p:nvPr>
+        </p:nvSpPr>
+        <p:spPr/>
+        <p:txBody>
+          <a:bodyPr/>
+          <a:lstStyle/>
+          <a:p>
+            <a:fld id="{57DC53DE-AFDD-4F57-970B-41BDA98A7F7B}" type="slidenum">
+              <a:rPr lang="en-US" smtClean="0"/>
+              <a:t>5</a:t>
+            </a:fld>
+            <a:endParaRPr lang="en-US"/>
+          </a:p>
+        </p:txBody>
+      </p:sp>
     </p:spTree>
     <p:extLst>
       <p:ext uri="{BB962C8B-B14F-4D97-AF65-F5344CB8AC3E}">
@@ -9189,6 +9432,29 @@
           </a:p>
         </p:txBody>
       </p:sp>
+      <p:sp>
+        <p:nvSpPr>
+          <p:cNvPr id="4" name="Slide Number Placeholder 3"/>
+          <p:cNvSpPr>
+            <a:spLocks noGrp="1"/>
+          </p:cNvSpPr>
+          <p:nvPr>
+            <p:ph type="sldNum" sz="quarter" idx="12"/>
+          </p:nvPr>
+        </p:nvSpPr>
+        <p:spPr/>
+        <p:txBody>
+          <a:bodyPr/>
+          <a:lstStyle/>
+          <a:p>
+            <a:fld id="{57DC53DE-AFDD-4F57-970B-41BDA98A7F7B}" type="slidenum">
+              <a:rPr lang="en-US" smtClean="0"/>
+              <a:t>6</a:t>
+            </a:fld>
+            <a:endParaRPr lang="en-US"/>
+          </a:p>
+        </p:txBody>
+      </p:sp>
     </p:spTree>
     <p:extLst>
       <p:ext uri="{BB962C8B-B14F-4D97-AF65-F5344CB8AC3E}">
@@ -9236,22 +9502,31 @@
             <p:ph type="title"/>
           </p:nvPr>
         </p:nvSpPr>
-        <p:spPr/>
+        <p:spPr>
+          <a:xfrm>
+            <a:off x="1484311" y="91441"/>
+            <a:ext cx="10018713" cy="731520"/>
+          </a:xfrm>
+        </p:spPr>
         <p:txBody>
           <a:bodyPr/>
           <a:lstStyle/>
           <a:p>
             <a:r>
+              <a:rPr lang="en-US" dirty="0" smtClean="0"/>
+              <a:t>3. </a:t>
+            </a:r>
+            <a:r>
+              <a:rPr lang="en-US" dirty="0" err="1" smtClean="0"/>
+              <a:t>Deroulement</a:t>
+            </a:r>
+            <a:r>
+              <a:rPr lang="en-US" dirty="0" smtClean="0"/>
+              <a:t> </a:t>
+            </a:r>
+            <a:r>
               <a:rPr lang="en-US" dirty="0"/>
-              <a:t>3. </a:t>
-            </a:r>
-            <a:r>
-              <a:rPr lang="en-US" dirty="0" err="1"/>
-              <a:t>Deroulement</a:t>
-            </a:r>
-            <a:r>
-              <a:rPr lang="en-US" dirty="0"/>
-              <a:t> du </a:t>
+              <a:t>du </a:t>
             </a:r>
             <a:r>
               <a:rPr lang="en-US" dirty="0" err="1"/>
@@ -9261,66 +9536,62 @@
           </a:p>
         </p:txBody>
       </p:sp>
-      <p:sp>
-        <p:nvSpPr>
-          <p:cNvPr id="3" name="Content Placeholder 2"/>
-          <p:cNvSpPr>
-            <a:spLocks noGrp="1"/>
-          </p:cNvSpPr>
+      <p:pic>
+        <p:nvPicPr>
+          <p:cNvPr id="4" name="Content Placeholder 3"/>
+          <p:cNvPicPr>
+            <a:picLocks noGrp="1" noChangeAspect="1"/>
+          </p:cNvPicPr>
           <p:nvPr>
             <p:ph idx="1"/>
           </p:nvPr>
+        </p:nvPicPr>
+        <p:blipFill>
+          <a:blip r:embed="rId2">
+            <a:extLst>
+              <a:ext uri="{28A0092B-C50C-407E-A947-70E740481C1C}">
+                <a14:useLocalDpi xmlns:a14="http://schemas.microsoft.com/office/drawing/2010/main" val="0"/>
+              </a:ext>
+            </a:extLst>
+          </a:blip>
+          <a:stretch>
+            <a:fillRect/>
+          </a:stretch>
+        </p:blipFill>
+        <p:spPr>
+          <a:xfrm>
+            <a:off x="2258571" y="960121"/>
+            <a:ext cx="7674858" cy="5897880"/>
+          </a:xfrm>
+        </p:spPr>
+      </p:pic>
+      <p:sp>
+        <p:nvSpPr>
+          <p:cNvPr id="3" name="Slide Number Placeholder 2"/>
+          <p:cNvSpPr>
+            <a:spLocks noGrp="1"/>
+          </p:cNvSpPr>
+          <p:nvPr>
+            <p:ph type="sldNum" sz="quarter" idx="12"/>
+          </p:nvPr>
         </p:nvSpPr>
         <p:spPr/>
         <p:txBody>
           <a:bodyPr/>
           <a:lstStyle/>
           <a:p>
-            <a:r>
-              <a:rPr lang="en-US" dirty="0"/>
-              <a:t>Development </a:t>
-            </a:r>
-            <a:r>
-              <a:rPr lang="en-US" dirty="0" err="1"/>
-              <a:t>en</a:t>
-            </a:r>
-            <a:r>
-              <a:rPr lang="en-US" dirty="0"/>
-              <a:t> 3 parties :</a:t>
-            </a:r>
-          </a:p>
-          <a:p>
-            <a:pPr lvl="1"/>
-            <a:r>
-              <a:rPr lang="en-US" dirty="0"/>
-              <a:t>Items de configuration</a:t>
-            </a:r>
-          </a:p>
-          <a:p>
-            <a:pPr lvl="1"/>
-            <a:r>
-              <a:rPr lang="en-US" dirty="0"/>
-              <a:t>Applications</a:t>
-            </a:r>
-          </a:p>
-          <a:p>
-            <a:pPr lvl="1"/>
-            <a:r>
-              <a:rPr lang="en-US" dirty="0"/>
-              <a:t>Data </a:t>
-            </a:r>
-            <a:r>
-              <a:rPr lang="en-US" dirty="0" smtClean="0"/>
-              <a:t>centers</a:t>
-            </a:r>
-            <a:endParaRPr lang="en-US" dirty="0"/>
+            <a:fld id="{57DC53DE-AFDD-4F57-970B-41BDA98A7F7B}" type="slidenum">
+              <a:rPr lang="en-US" smtClean="0"/>
+              <a:t>7</a:t>
+            </a:fld>
+            <a:endParaRPr lang="en-US"/>
           </a:p>
         </p:txBody>
       </p:sp>
     </p:spTree>
     <p:extLst>
       <p:ext uri="{BB962C8B-B14F-4D97-AF65-F5344CB8AC3E}">
-        <p14:creationId xmlns:p14="http://schemas.microsoft.com/office/powerpoint/2010/main" val="2473788589"/>
+        <p14:creationId xmlns:p14="http://schemas.microsoft.com/office/powerpoint/2010/main" val="594161707"/>
       </p:ext>
     </p:extLst>
   </p:cSld>
@@ -9371,7 +9642,7 @@
           <a:p>
             <a:r>
               <a:rPr lang="en-US" dirty="0" smtClean="0"/>
-              <a:t>3. </a:t>
+              <a:t>3A. </a:t>
             </a:r>
             <a:r>
               <a:rPr lang="en-US" dirty="0" err="1" smtClean="0"/>
@@ -9379,15 +9650,7 @@
             </a:r>
             <a:r>
               <a:rPr lang="en-US" dirty="0" smtClean="0"/>
-              <a:t> </a:t>
-            </a:r>
-            <a:r>
-              <a:rPr lang="en-US" dirty="0"/>
-              <a:t>du </a:t>
-            </a:r>
-            <a:r>
-              <a:rPr lang="en-US" dirty="0" err="1"/>
-              <a:t>projet</a:t>
+              <a:t> – Items de configuration</a:t>
             </a:r>
             <a:endParaRPr lang="en-US" dirty="0"/>
           </a:p>
@@ -9395,12 +9658,12 @@
       </p:sp>
       <p:pic>
         <p:nvPicPr>
-          <p:cNvPr id="4" name="Content Placeholder 3"/>
+          <p:cNvPr id="5" name="Content Placeholder 4"/>
           <p:cNvPicPr>
             <a:picLocks noGrp="1" noChangeAspect="1"/>
           </p:cNvPicPr>
           <p:nvPr>
-            <p:ph idx="1"/>
+            <p:ph sz="half" idx="1"/>
           </p:nvPr>
         </p:nvPicPr>
         <p:blipFill>
@@ -9417,58 +9680,134 @@
         </p:blipFill>
         <p:spPr>
           <a:xfrm>
-            <a:off x="4654399" y="1761337"/>
-            <a:ext cx="6632242" cy="5096663"/>
+            <a:off x="151194" y="2862072"/>
+            <a:ext cx="6214457" cy="2734056"/>
           </a:xfrm>
         </p:spPr>
       </p:pic>
-      <p:pic>
-        <p:nvPicPr>
-          <p:cNvPr id="5" name="Picture 4"/>
-          <p:cNvPicPr>
-            <a:picLocks noChangeAspect="1"/>
-          </p:cNvPicPr>
-          <p:nvPr/>
-        </p:nvPicPr>
-        <p:blipFill>
-          <a:blip r:embed="rId3">
-            <a:extLst>
-              <a:ext uri="{28A0092B-C50C-407E-A947-70E740481C1C}">
-                <a14:useLocalDpi xmlns:a14="http://schemas.microsoft.com/office/drawing/2010/main" val="0"/>
-              </a:ext>
-            </a:extLst>
-          </a:blip>
-          <a:stretch>
-            <a:fillRect/>
-          </a:stretch>
-        </p:blipFill>
-        <p:spPr>
-          <a:xfrm>
-            <a:off x="1700531" y="3172396"/>
-            <a:ext cx="1914525" cy="1628775"/>
-          </a:xfrm>
-          <a:prstGeom prst="rect">
-            <a:avLst/>
-          </a:prstGeom>
-        </p:spPr>
-      </p:pic>
+      <p:sp>
+        <p:nvSpPr>
+          <p:cNvPr id="4" name="Content Placeholder 3"/>
+          <p:cNvSpPr>
+            <a:spLocks noGrp="1"/>
+          </p:cNvSpPr>
+          <p:nvPr>
+            <p:ph sz="half" idx="2"/>
+          </p:nvPr>
+        </p:nvSpPr>
+        <p:spPr/>
+        <p:txBody>
+          <a:bodyPr/>
+          <a:lstStyle/>
+          <a:p>
+            <a:r>
+              <a:rPr lang="en-US" dirty="0" err="1"/>
+              <a:t>Liste</a:t>
+            </a:r>
+            <a:r>
+              <a:rPr lang="en-US" dirty="0"/>
+              <a:t> les elements de configuration presents </a:t>
+            </a:r>
+            <a:r>
+              <a:rPr lang="en-US" dirty="0" err="1"/>
+              <a:t>dans</a:t>
+            </a:r>
+            <a:r>
+              <a:rPr lang="en-US" dirty="0"/>
+              <a:t> </a:t>
+            </a:r>
+            <a:r>
+              <a:rPr lang="en-US" dirty="0" err="1"/>
+              <a:t>l’entreprise</a:t>
+            </a:r>
+            <a:endParaRPr lang="en-US" dirty="0"/>
+          </a:p>
+          <a:p>
+            <a:r>
+              <a:rPr lang="en-US" dirty="0"/>
+              <a:t>Classes pour organizer les elements</a:t>
+            </a:r>
+          </a:p>
+          <a:p>
+            <a:r>
+              <a:rPr lang="en-US" dirty="0" err="1"/>
+              <a:t>Ajout</a:t>
+            </a:r>
+            <a:r>
+              <a:rPr lang="en-US" dirty="0"/>
+              <a:t>/suppression de </a:t>
+            </a:r>
+            <a:r>
+              <a:rPr lang="en-US" dirty="0" err="1"/>
+              <a:t>proprietes</a:t>
+            </a:r>
+            <a:r>
+              <a:rPr lang="en-US" dirty="0"/>
+              <a:t> et </a:t>
+            </a:r>
+            <a:r>
+              <a:rPr lang="en-US" dirty="0" err="1"/>
+              <a:t>valeurs</a:t>
+            </a:r>
+            <a:r>
+              <a:rPr lang="en-US" dirty="0"/>
+              <a:t> pour </a:t>
+            </a:r>
+            <a:r>
+              <a:rPr lang="en-US" dirty="0" err="1"/>
+              <a:t>chaque</a:t>
+            </a:r>
+            <a:r>
+              <a:rPr lang="en-US" dirty="0"/>
+              <a:t> element</a:t>
+            </a:r>
+          </a:p>
+          <a:p>
+            <a:r>
+              <a:rPr lang="en-US" dirty="0"/>
+              <a:t>Panel de base de </a:t>
+            </a:r>
+            <a:r>
+              <a:rPr lang="en-US" dirty="0" err="1"/>
+              <a:t>l’application</a:t>
+            </a:r>
+            <a:endParaRPr lang="en-US" dirty="0"/>
+          </a:p>
+        </p:txBody>
+      </p:sp>
+      <p:sp>
+        <p:nvSpPr>
+          <p:cNvPr id="6" name="Slide Number Placeholder 5"/>
+          <p:cNvSpPr>
+            <a:spLocks noGrp="1"/>
+          </p:cNvSpPr>
+          <p:nvPr>
+            <p:ph type="sldNum" sz="quarter" idx="12"/>
+          </p:nvPr>
+        </p:nvSpPr>
+        <p:spPr/>
+        <p:txBody>
+          <a:bodyPr/>
+          <a:lstStyle/>
+          <a:p>
+            <a:fld id="{57DC53DE-AFDD-4F57-970B-41BDA98A7F7B}" type="slidenum">
+              <a:rPr lang="en-US" smtClean="0"/>
+              <a:t>8</a:t>
+            </a:fld>
+            <a:endParaRPr lang="en-US"/>
+          </a:p>
+        </p:txBody>
+      </p:sp>
     </p:spTree>
     <p:extLst>
       <p:ext uri="{BB962C8B-B14F-4D97-AF65-F5344CB8AC3E}">
-        <p14:creationId xmlns:p14="http://schemas.microsoft.com/office/powerpoint/2010/main" val="594161707"/>
+        <p14:creationId xmlns:p14="http://schemas.microsoft.com/office/powerpoint/2010/main" val="2050684693"/>
       </p:ext>
     </p:extLst>
   </p:cSld>
   <p:clrMapOvr>
     <a:masterClrMapping/>
   </p:clrMapOvr>
-  <p:timing>
-    <p:tnLst>
-      <p:par>
-        <p:cTn id="1" dur="indefinite" restart="never" nodeType="tmRoot"/>
-      </p:par>
-    </p:tnLst>
-  </p:timing>
 </p:sld>
 </file>
 
@@ -9506,7 +9845,7 @@
           <a:p>
             <a:r>
               <a:rPr lang="en-US" dirty="0"/>
-              <a:t>3. </a:t>
+              <a:t>3A. </a:t>
             </a:r>
             <a:r>
               <a:rPr lang="en-US" dirty="0" err="1"/>
@@ -9514,93 +9853,25 @@
             </a:r>
             <a:r>
               <a:rPr lang="en-US" dirty="0"/>
-              <a:t> du </a:t>
-            </a:r>
-            <a:r>
-              <a:rPr lang="en-US" dirty="0" err="1"/>
-              <a:t>projet</a:t>
+              <a:t> – </a:t>
+            </a:r>
+            <a:r>
+              <a:rPr lang="en-US" dirty="0" smtClean="0"/>
+              <a:t>Applications</a:t>
             </a:r>
             <a:endParaRPr lang="en-US" dirty="0"/>
-          </a:p>
-        </p:txBody>
-      </p:sp>
-      <p:sp>
-        <p:nvSpPr>
-          <p:cNvPr id="3" name="Content Placeholder 2"/>
-          <p:cNvSpPr>
-            <a:spLocks noGrp="1"/>
-          </p:cNvSpPr>
-          <p:nvPr>
-            <p:ph idx="1"/>
-          </p:nvPr>
-        </p:nvSpPr>
-        <p:spPr/>
-        <p:txBody>
-          <a:bodyPr/>
-          <a:lstStyle/>
-          <a:p>
-            <a:r>
-              <a:rPr lang="en-US" dirty="0" smtClean="0"/>
-              <a:t>Connection a la base de </a:t>
-            </a:r>
-            <a:r>
-              <a:rPr lang="en-US" dirty="0" err="1" smtClean="0"/>
-              <a:t>donnees</a:t>
-            </a:r>
-            <a:r>
-              <a:rPr lang="en-US" dirty="0" smtClean="0"/>
-              <a:t> </a:t>
-            </a:r>
-            <a:r>
-              <a:rPr lang="en-US" dirty="0" err="1" smtClean="0"/>
-              <a:t>securisee</a:t>
-            </a:r>
-            <a:endParaRPr lang="en-US" dirty="0"/>
-          </a:p>
-          <a:p>
-            <a:pPr lvl="1"/>
-            <a:r>
-              <a:rPr lang="en-US" dirty="0" err="1" smtClean="0"/>
-              <a:t>Requetes</a:t>
-            </a:r>
-            <a:r>
-              <a:rPr lang="en-US" dirty="0" smtClean="0"/>
-              <a:t> SQL </a:t>
-            </a:r>
-            <a:r>
-              <a:rPr lang="en-US" dirty="0" err="1" smtClean="0"/>
-              <a:t>preparees</a:t>
-            </a:r>
-            <a:endParaRPr lang="en-US" dirty="0" smtClean="0"/>
-          </a:p>
-          <a:p>
-            <a:pPr lvl="1"/>
-            <a:r>
-              <a:rPr lang="en-US" dirty="0" smtClean="0"/>
-              <a:t>PDO</a:t>
-            </a:r>
-          </a:p>
-          <a:p>
-            <a:pPr lvl="1"/>
-            <a:r>
-              <a:rPr lang="en-US" dirty="0" smtClean="0"/>
-              <a:t>Hash du mot de </a:t>
-            </a:r>
-            <a:r>
-              <a:rPr lang="en-US" dirty="0" err="1" smtClean="0"/>
-              <a:t>passe</a:t>
-            </a:r>
-            <a:endParaRPr lang="en-US" dirty="0" smtClean="0"/>
           </a:p>
         </p:txBody>
       </p:sp>
       <p:pic>
         <p:nvPicPr>
-          <p:cNvPr id="4" name="Picture 3"/>
+          <p:cNvPr id="5" name="Content Placeholder 4"/>
           <p:cNvPicPr>
-            <a:picLocks noChangeAspect="1"/>
+            <a:picLocks noGrp="1" noChangeAspect="1"/>
           </p:cNvPicPr>
-          <p:nvPr/>
+          <p:nvPr>
+            <p:ph sz="half" idx="1"/>
+          </p:nvPr>
         </p:nvPicPr>
         <p:blipFill>
           <a:blip r:embed="rId2">
@@ -9616,31 +9887,181 @@
         </p:blipFill>
         <p:spPr>
           <a:xfrm>
-            <a:off x="5520561" y="3860898"/>
-            <a:ext cx="6315156" cy="1406046"/>
+            <a:off x="521709" y="3383280"/>
+            <a:ext cx="5907813" cy="1366547"/>
           </a:xfrm>
-          <a:prstGeom prst="rect">
-            <a:avLst/>
-          </a:prstGeom>
         </p:spPr>
       </p:pic>
+      <p:sp>
+        <p:nvSpPr>
+          <p:cNvPr id="4" name="Content Placeholder 3"/>
+          <p:cNvSpPr>
+            <a:spLocks noGrp="1"/>
+          </p:cNvSpPr>
+          <p:nvPr>
+            <p:ph sz="half" idx="2"/>
+          </p:nvPr>
+        </p:nvSpPr>
+        <p:spPr/>
+        <p:txBody>
+          <a:bodyPr/>
+          <a:lstStyle/>
+          <a:p>
+            <a:r>
+              <a:rPr lang="en-US" dirty="0" err="1"/>
+              <a:t>Liste</a:t>
+            </a:r>
+            <a:r>
+              <a:rPr lang="en-US" dirty="0"/>
+              <a:t> les </a:t>
+            </a:r>
+            <a:r>
+              <a:rPr lang="en-US" dirty="0" err="1"/>
+              <a:t>differentes</a:t>
+            </a:r>
+            <a:r>
+              <a:rPr lang="en-US" dirty="0"/>
+              <a:t> applications </a:t>
+            </a:r>
+            <a:r>
+              <a:rPr lang="en-US" dirty="0" err="1"/>
+              <a:t>utilisees</a:t>
+            </a:r>
+            <a:r>
+              <a:rPr lang="en-US" dirty="0"/>
+              <a:t> par </a:t>
+            </a:r>
+            <a:r>
+              <a:rPr lang="en-US" dirty="0" err="1"/>
+              <a:t>l’entreprise</a:t>
+            </a:r>
+            <a:endParaRPr lang="en-US" dirty="0"/>
+          </a:p>
+          <a:p>
+            <a:pPr lvl="1"/>
+            <a:r>
+              <a:rPr lang="en-US" dirty="0" err="1"/>
+              <a:t>Organisation</a:t>
+            </a:r>
+            <a:r>
+              <a:rPr lang="en-US" dirty="0"/>
+              <a:t> </a:t>
+            </a:r>
+            <a:r>
+              <a:rPr lang="en-US" dirty="0" err="1"/>
+              <a:t>hierarchique</a:t>
+            </a:r>
+            <a:r>
+              <a:rPr lang="en-US" dirty="0"/>
+              <a:t> sous </a:t>
+            </a:r>
+            <a:r>
+              <a:rPr lang="en-US" dirty="0" err="1"/>
+              <a:t>forme</a:t>
+            </a:r>
+            <a:r>
+              <a:rPr lang="en-US" dirty="0"/>
+              <a:t> </a:t>
+            </a:r>
+            <a:r>
+              <a:rPr lang="en-US" dirty="0" err="1"/>
+              <a:t>d’arbre</a:t>
+            </a:r>
+            <a:r>
+              <a:rPr lang="en-US" dirty="0"/>
+              <a:t> </a:t>
+            </a:r>
+            <a:r>
+              <a:rPr lang="en-US" dirty="0" err="1"/>
+              <a:t>arbre</a:t>
+            </a:r>
+            <a:endParaRPr lang="en-US" dirty="0"/>
+          </a:p>
+          <a:p>
+            <a:r>
+              <a:rPr lang="en-US" dirty="0" err="1"/>
+              <a:t>Liste</a:t>
+            </a:r>
+            <a:r>
+              <a:rPr lang="en-US" dirty="0"/>
+              <a:t> les </a:t>
+            </a:r>
+            <a:r>
+              <a:rPr lang="en-US" dirty="0" err="1"/>
+              <a:t>differents</a:t>
+            </a:r>
+            <a:r>
+              <a:rPr lang="en-US" dirty="0"/>
+              <a:t> items de configuration utilizes par </a:t>
+            </a:r>
+            <a:r>
+              <a:rPr lang="en-US" dirty="0" err="1"/>
+              <a:t>chaque</a:t>
+            </a:r>
+            <a:r>
+              <a:rPr lang="en-US" dirty="0"/>
+              <a:t> application</a:t>
+            </a:r>
+          </a:p>
+          <a:p>
+            <a:pPr lvl="1"/>
+            <a:r>
+              <a:rPr lang="en-US" dirty="0" err="1"/>
+              <a:t>Organisation</a:t>
+            </a:r>
+            <a:r>
+              <a:rPr lang="en-US" dirty="0"/>
+              <a:t> sous </a:t>
+            </a:r>
+            <a:r>
+              <a:rPr lang="en-US" dirty="0" err="1"/>
+              <a:t>forme</a:t>
+            </a:r>
+            <a:r>
+              <a:rPr lang="en-US" dirty="0"/>
+              <a:t> de </a:t>
+            </a:r>
+            <a:r>
+              <a:rPr lang="en-US" dirty="0" err="1" smtClean="0"/>
+              <a:t>graphe</a:t>
+            </a:r>
+            <a:endParaRPr lang="en-US" dirty="0"/>
+          </a:p>
+        </p:txBody>
+      </p:sp>
+      <p:sp>
+        <p:nvSpPr>
+          <p:cNvPr id="6" name="Slide Number Placeholder 5"/>
+          <p:cNvSpPr>
+            <a:spLocks noGrp="1"/>
+          </p:cNvSpPr>
+          <p:nvPr>
+            <p:ph type="sldNum" sz="quarter" idx="12"/>
+          </p:nvPr>
+        </p:nvSpPr>
+        <p:spPr/>
+        <p:txBody>
+          <a:bodyPr/>
+          <a:lstStyle/>
+          <a:p>
+            <a:fld id="{57DC53DE-AFDD-4F57-970B-41BDA98A7F7B}" type="slidenum">
+              <a:rPr lang="en-US" smtClean="0"/>
+              <a:t>9</a:t>
+            </a:fld>
+            <a:endParaRPr lang="en-US"/>
+          </a:p>
+        </p:txBody>
+      </p:sp>
     </p:spTree>
     <p:extLst>
       <p:ext uri="{BB962C8B-B14F-4D97-AF65-F5344CB8AC3E}">
-        <p14:creationId xmlns:p14="http://schemas.microsoft.com/office/powerpoint/2010/main" val="2257320113"/>
+        <p14:creationId xmlns:p14="http://schemas.microsoft.com/office/powerpoint/2010/main" val="3894083194"/>
       </p:ext>
     </p:extLst>
   </p:cSld>
   <p:clrMapOvr>
     <a:masterClrMapping/>
   </p:clrMapOvr>
-  <p:timing>
-    <p:tnLst>
-      <p:par>
-        <p:cTn id="1" dur="indefinite" restart="never" nodeType="tmRoot"/>
-      </p:par>
-    </p:tnLst>
-  </p:timing>
 </p:sld>
 </file>
 
